--- a/презентация.pptx
+++ b/презентация.pptx
@@ -1,17 +1,17 @@
 
 <file path=ppt/presentation.xml><?xml version="1.0" encoding="utf-8"?>
-<p:presentation xmlns:a="http://schemas.openxmlformats.org/drawingml/2006/main" xmlns:r="http://schemas.openxmlformats.org/officeDocument/2006/relationships" xmlns:p="http://schemas.openxmlformats.org/presentationml/2006/main" saveSubsetFonts="1">
+<p:presentation xmlns:a="http://schemas.openxmlformats.org/drawingml/2006/main" xmlns:r="http://schemas.openxmlformats.org/officeDocument/2006/relationships" xmlns:p="http://schemas.openxmlformats.org/presentationml/2006/main">
   <p:sldMasterIdLst>
     <p:sldMasterId id="2147483648" r:id="rId1"/>
   </p:sldMasterIdLst>
   <p:sldIdLst>
-    <p:sldId id="256" r:id="rId2"/>
-    <p:sldId id="257" r:id="rId3"/>
-    <p:sldId id="258" r:id="rId4"/>
-    <p:sldId id="259" r:id="rId5"/>
-    <p:sldId id="260" r:id="rId6"/>
-    <p:sldId id="262" r:id="rId7"/>
-    <p:sldId id="261" r:id="rId8"/>
+    <p:sldId id="256" r:id="rId3"/>
+    <p:sldId id="257" r:id="rId4"/>
+    <p:sldId id="258" r:id="rId5"/>
+    <p:sldId id="259" r:id="rId6"/>
+    <p:sldId id="260" r:id="rId7"/>
+    <p:sldId id="262" r:id="rId8"/>
+    <p:sldId id="261" r:id="rId9"/>
   </p:sldIdLst>
   <p:sldSz cx="12192000" cy="6858000"/>
   <p:notesSz cx="6858000" cy="9144000"/>
@@ -244,7 +244,6 @@
           <a:p>
             <a:fld id="{25276841-8802-4EC8-A7DA-2B5D4D8B3E09}" type="datetimeFigureOut">
               <a:rPr lang="en-US" smtClean="0"/>
-              <a:t>5/21/2022</a:t>
             </a:fld>
             <a:endParaRPr lang="en-US"/>
           </a:p>
@@ -286,18 +285,12 @@
           <a:p>
             <a:fld id="{E2DDB743-184F-4CDE-AB80-5E0F86190CE7}" type="slidenum">
               <a:rPr lang="en-US" smtClean="0"/>
-              <a:t>‹#›</a:t>
             </a:fld>
             <a:endParaRPr lang="en-US"/>
           </a:p>
         </p:txBody>
       </p:sp>
     </p:spTree>
-    <p:extLst>
-      <p:ext uri="{BB962C8B-B14F-4D97-AF65-F5344CB8AC3E}">
-        <p14:creationId xmlns:p14="http://schemas.microsoft.com/office/powerpoint/2010/main" val="3225565944"/>
-      </p:ext>
-    </p:extLst>
   </p:cSld>
   <p:clrMapOvr>
     <a:masterClrMapping/>
@@ -365,6 +358,7 @@
               <a:rPr lang="ru-RU" smtClean="0"/>
               <a:t>Образец текста</a:t>
             </a:r>
+            <a:endParaRPr lang="ru-RU" smtClean="0"/>
           </a:p>
           <a:p>
             <a:pPr lvl="1"/>
@@ -372,6 +366,7 @@
               <a:rPr lang="ru-RU" smtClean="0"/>
               <a:t>Второй уровень</a:t>
             </a:r>
+            <a:endParaRPr lang="ru-RU" smtClean="0"/>
           </a:p>
           <a:p>
             <a:pPr lvl="2"/>
@@ -379,6 +374,7 @@
               <a:rPr lang="ru-RU" smtClean="0"/>
               <a:t>Третий уровень</a:t>
             </a:r>
+            <a:endParaRPr lang="ru-RU" smtClean="0"/>
           </a:p>
           <a:p>
             <a:pPr lvl="3"/>
@@ -386,6 +382,7 @@
               <a:rPr lang="ru-RU" smtClean="0"/>
               <a:t>Четвертый уровень</a:t>
             </a:r>
+            <a:endParaRPr lang="ru-RU" smtClean="0"/>
           </a:p>
           <a:p>
             <a:pPr lvl="4"/>
@@ -414,7 +411,6 @@
           <a:p>
             <a:fld id="{25276841-8802-4EC8-A7DA-2B5D4D8B3E09}" type="datetimeFigureOut">
               <a:rPr lang="en-US" smtClean="0"/>
-              <a:t>5/21/2022</a:t>
             </a:fld>
             <a:endParaRPr lang="en-US"/>
           </a:p>
@@ -456,18 +452,12 @@
           <a:p>
             <a:fld id="{E2DDB743-184F-4CDE-AB80-5E0F86190CE7}" type="slidenum">
               <a:rPr lang="en-US" smtClean="0"/>
-              <a:t>‹#›</a:t>
             </a:fld>
             <a:endParaRPr lang="en-US"/>
           </a:p>
         </p:txBody>
       </p:sp>
     </p:spTree>
-    <p:extLst>
-      <p:ext uri="{BB962C8B-B14F-4D97-AF65-F5344CB8AC3E}">
-        <p14:creationId xmlns:p14="http://schemas.microsoft.com/office/powerpoint/2010/main" val="1480247708"/>
-      </p:ext>
-    </p:extLst>
   </p:cSld>
   <p:clrMapOvr>
     <a:masterClrMapping/>
@@ -545,6 +535,7 @@
               <a:rPr lang="ru-RU" smtClean="0"/>
               <a:t>Образец текста</a:t>
             </a:r>
+            <a:endParaRPr lang="ru-RU" smtClean="0"/>
           </a:p>
           <a:p>
             <a:pPr lvl="1"/>
@@ -552,6 +543,7 @@
               <a:rPr lang="ru-RU" smtClean="0"/>
               <a:t>Второй уровень</a:t>
             </a:r>
+            <a:endParaRPr lang="ru-RU" smtClean="0"/>
           </a:p>
           <a:p>
             <a:pPr lvl="2"/>
@@ -559,6 +551,7 @@
               <a:rPr lang="ru-RU" smtClean="0"/>
               <a:t>Третий уровень</a:t>
             </a:r>
+            <a:endParaRPr lang="ru-RU" smtClean="0"/>
           </a:p>
           <a:p>
             <a:pPr lvl="3"/>
@@ -566,6 +559,7 @@
               <a:rPr lang="ru-RU" smtClean="0"/>
               <a:t>Четвертый уровень</a:t>
             </a:r>
+            <a:endParaRPr lang="ru-RU" smtClean="0"/>
           </a:p>
           <a:p>
             <a:pPr lvl="4"/>
@@ -594,7 +588,6 @@
           <a:p>
             <a:fld id="{25276841-8802-4EC8-A7DA-2B5D4D8B3E09}" type="datetimeFigureOut">
               <a:rPr lang="en-US" smtClean="0"/>
-              <a:t>5/21/2022</a:t>
             </a:fld>
             <a:endParaRPr lang="en-US"/>
           </a:p>
@@ -636,18 +629,12 @@
           <a:p>
             <a:fld id="{E2DDB743-184F-4CDE-AB80-5E0F86190CE7}" type="slidenum">
               <a:rPr lang="en-US" smtClean="0"/>
-              <a:t>‹#›</a:t>
             </a:fld>
             <a:endParaRPr lang="en-US"/>
           </a:p>
         </p:txBody>
       </p:sp>
     </p:spTree>
-    <p:extLst>
-      <p:ext uri="{BB962C8B-B14F-4D97-AF65-F5344CB8AC3E}">
-        <p14:creationId xmlns:p14="http://schemas.microsoft.com/office/powerpoint/2010/main" val="2212794233"/>
-      </p:ext>
-    </p:extLst>
   </p:cSld>
   <p:clrMapOvr>
     <a:masterClrMapping/>
@@ -715,6 +702,7 @@
               <a:rPr lang="ru-RU" smtClean="0"/>
               <a:t>Образец текста</a:t>
             </a:r>
+            <a:endParaRPr lang="ru-RU" smtClean="0"/>
           </a:p>
           <a:p>
             <a:pPr lvl="1"/>
@@ -722,6 +710,7 @@
               <a:rPr lang="ru-RU" smtClean="0"/>
               <a:t>Второй уровень</a:t>
             </a:r>
+            <a:endParaRPr lang="ru-RU" smtClean="0"/>
           </a:p>
           <a:p>
             <a:pPr lvl="2"/>
@@ -729,6 +718,7 @@
               <a:rPr lang="ru-RU" smtClean="0"/>
               <a:t>Третий уровень</a:t>
             </a:r>
+            <a:endParaRPr lang="ru-RU" smtClean="0"/>
           </a:p>
           <a:p>
             <a:pPr lvl="3"/>
@@ -736,6 +726,7 @@
               <a:rPr lang="ru-RU" smtClean="0"/>
               <a:t>Четвертый уровень</a:t>
             </a:r>
+            <a:endParaRPr lang="ru-RU" smtClean="0"/>
           </a:p>
           <a:p>
             <a:pPr lvl="4"/>
@@ -764,7 +755,6 @@
           <a:p>
             <a:fld id="{25276841-8802-4EC8-A7DA-2B5D4D8B3E09}" type="datetimeFigureOut">
               <a:rPr lang="en-US" smtClean="0"/>
-              <a:t>5/21/2022</a:t>
             </a:fld>
             <a:endParaRPr lang="en-US"/>
           </a:p>
@@ -806,18 +796,12 @@
           <a:p>
             <a:fld id="{E2DDB743-184F-4CDE-AB80-5E0F86190CE7}" type="slidenum">
               <a:rPr lang="en-US" smtClean="0"/>
-              <a:t>‹#›</a:t>
             </a:fld>
             <a:endParaRPr lang="en-US"/>
           </a:p>
         </p:txBody>
       </p:sp>
     </p:spTree>
-    <p:extLst>
-      <p:ext uri="{BB962C8B-B14F-4D97-AF65-F5344CB8AC3E}">
-        <p14:creationId xmlns:p14="http://schemas.microsoft.com/office/powerpoint/2010/main" val="2334963877"/>
-      </p:ext>
-    </p:extLst>
   </p:cSld>
   <p:clrMapOvr>
     <a:masterClrMapping/>
@@ -990,6 +974,7 @@
               <a:rPr lang="ru-RU" smtClean="0"/>
               <a:t>Образец текста</a:t>
             </a:r>
+            <a:endParaRPr lang="ru-RU" smtClean="0"/>
           </a:p>
         </p:txBody>
       </p:sp>
@@ -1010,7 +995,6 @@
           <a:p>
             <a:fld id="{25276841-8802-4EC8-A7DA-2B5D4D8B3E09}" type="datetimeFigureOut">
               <a:rPr lang="en-US" smtClean="0"/>
-              <a:t>5/21/2022</a:t>
             </a:fld>
             <a:endParaRPr lang="en-US"/>
           </a:p>
@@ -1052,18 +1036,12 @@
           <a:p>
             <a:fld id="{E2DDB743-184F-4CDE-AB80-5E0F86190CE7}" type="slidenum">
               <a:rPr lang="en-US" smtClean="0"/>
-              <a:t>‹#›</a:t>
             </a:fld>
             <a:endParaRPr lang="en-US"/>
           </a:p>
         </p:txBody>
       </p:sp>
     </p:spTree>
-    <p:extLst>
-      <p:ext uri="{BB962C8B-B14F-4D97-AF65-F5344CB8AC3E}">
-        <p14:creationId xmlns:p14="http://schemas.microsoft.com/office/powerpoint/2010/main" val="2998572869"/>
-      </p:ext>
-    </p:extLst>
   </p:cSld>
   <p:clrMapOvr>
     <a:masterClrMapping/>
@@ -1136,6 +1114,7 @@
               <a:rPr lang="ru-RU" smtClean="0"/>
               <a:t>Образец текста</a:t>
             </a:r>
+            <a:endParaRPr lang="ru-RU" smtClean="0"/>
           </a:p>
           <a:p>
             <a:pPr lvl="1"/>
@@ -1143,6 +1122,7 @@
               <a:rPr lang="ru-RU" smtClean="0"/>
               <a:t>Второй уровень</a:t>
             </a:r>
+            <a:endParaRPr lang="ru-RU" smtClean="0"/>
           </a:p>
           <a:p>
             <a:pPr lvl="2"/>
@@ -1150,6 +1130,7 @@
               <a:rPr lang="ru-RU" smtClean="0"/>
               <a:t>Третий уровень</a:t>
             </a:r>
+            <a:endParaRPr lang="ru-RU" smtClean="0"/>
           </a:p>
           <a:p>
             <a:pPr lvl="3"/>
@@ -1157,6 +1138,7 @@
               <a:rPr lang="ru-RU" smtClean="0"/>
               <a:t>Четвертый уровень</a:t>
             </a:r>
+            <a:endParaRPr lang="ru-RU" smtClean="0"/>
           </a:p>
           <a:p>
             <a:pPr lvl="4"/>
@@ -1193,6 +1175,7 @@
               <a:rPr lang="ru-RU" smtClean="0"/>
               <a:t>Образец текста</a:t>
             </a:r>
+            <a:endParaRPr lang="ru-RU" smtClean="0"/>
           </a:p>
           <a:p>
             <a:pPr lvl="1"/>
@@ -1200,6 +1183,7 @@
               <a:rPr lang="ru-RU" smtClean="0"/>
               <a:t>Второй уровень</a:t>
             </a:r>
+            <a:endParaRPr lang="ru-RU" smtClean="0"/>
           </a:p>
           <a:p>
             <a:pPr lvl="2"/>
@@ -1207,6 +1191,7 @@
               <a:rPr lang="ru-RU" smtClean="0"/>
               <a:t>Третий уровень</a:t>
             </a:r>
+            <a:endParaRPr lang="ru-RU" smtClean="0"/>
           </a:p>
           <a:p>
             <a:pPr lvl="3"/>
@@ -1214,6 +1199,7 @@
               <a:rPr lang="ru-RU" smtClean="0"/>
               <a:t>Четвертый уровень</a:t>
             </a:r>
+            <a:endParaRPr lang="ru-RU" smtClean="0"/>
           </a:p>
           <a:p>
             <a:pPr lvl="4"/>
@@ -1242,7 +1228,6 @@
           <a:p>
             <a:fld id="{25276841-8802-4EC8-A7DA-2B5D4D8B3E09}" type="datetimeFigureOut">
               <a:rPr lang="en-US" smtClean="0"/>
-              <a:t>5/21/2022</a:t>
             </a:fld>
             <a:endParaRPr lang="en-US"/>
           </a:p>
@@ -1284,18 +1269,12 @@
           <a:p>
             <a:fld id="{E2DDB743-184F-4CDE-AB80-5E0F86190CE7}" type="slidenum">
               <a:rPr lang="en-US" smtClean="0"/>
-              <a:t>‹#›</a:t>
             </a:fld>
             <a:endParaRPr lang="en-US"/>
           </a:p>
         </p:txBody>
       </p:sp>
     </p:spTree>
-    <p:extLst>
-      <p:ext uri="{BB962C8B-B14F-4D97-AF65-F5344CB8AC3E}">
-        <p14:creationId xmlns:p14="http://schemas.microsoft.com/office/powerpoint/2010/main" val="3823929549"/>
-      </p:ext>
-    </p:extLst>
   </p:cSld>
   <p:clrMapOvr>
     <a:masterClrMapping/>
@@ -1410,6 +1389,7 @@
               <a:rPr lang="ru-RU" smtClean="0"/>
               <a:t>Образец текста</a:t>
             </a:r>
+            <a:endParaRPr lang="ru-RU" smtClean="0"/>
           </a:p>
         </p:txBody>
       </p:sp>
@@ -1438,6 +1418,7 @@
               <a:rPr lang="ru-RU" smtClean="0"/>
               <a:t>Образец текста</a:t>
             </a:r>
+            <a:endParaRPr lang="ru-RU" smtClean="0"/>
           </a:p>
           <a:p>
             <a:pPr lvl="1"/>
@@ -1445,6 +1426,7 @@
               <a:rPr lang="ru-RU" smtClean="0"/>
               <a:t>Второй уровень</a:t>
             </a:r>
+            <a:endParaRPr lang="ru-RU" smtClean="0"/>
           </a:p>
           <a:p>
             <a:pPr lvl="2"/>
@@ -1452,6 +1434,7 @@
               <a:rPr lang="ru-RU" smtClean="0"/>
               <a:t>Третий уровень</a:t>
             </a:r>
+            <a:endParaRPr lang="ru-RU" smtClean="0"/>
           </a:p>
           <a:p>
             <a:pPr lvl="3"/>
@@ -1459,6 +1442,7 @@
               <a:rPr lang="ru-RU" smtClean="0"/>
               <a:t>Четвертый уровень</a:t>
             </a:r>
+            <a:endParaRPr lang="ru-RU" smtClean="0"/>
           </a:p>
           <a:p>
             <a:pPr lvl="4"/>
@@ -1532,6 +1516,7 @@
               <a:rPr lang="ru-RU" smtClean="0"/>
               <a:t>Образец текста</a:t>
             </a:r>
+            <a:endParaRPr lang="ru-RU" smtClean="0"/>
           </a:p>
         </p:txBody>
       </p:sp>
@@ -1560,6 +1545,7 @@
               <a:rPr lang="ru-RU" smtClean="0"/>
               <a:t>Образец текста</a:t>
             </a:r>
+            <a:endParaRPr lang="ru-RU" smtClean="0"/>
           </a:p>
           <a:p>
             <a:pPr lvl="1"/>
@@ -1567,6 +1553,7 @@
               <a:rPr lang="ru-RU" smtClean="0"/>
               <a:t>Второй уровень</a:t>
             </a:r>
+            <a:endParaRPr lang="ru-RU" smtClean="0"/>
           </a:p>
           <a:p>
             <a:pPr lvl="2"/>
@@ -1574,6 +1561,7 @@
               <a:rPr lang="ru-RU" smtClean="0"/>
               <a:t>Третий уровень</a:t>
             </a:r>
+            <a:endParaRPr lang="ru-RU" smtClean="0"/>
           </a:p>
           <a:p>
             <a:pPr lvl="3"/>
@@ -1581,6 +1569,7 @@
               <a:rPr lang="ru-RU" smtClean="0"/>
               <a:t>Четвертый уровень</a:t>
             </a:r>
+            <a:endParaRPr lang="ru-RU" smtClean="0"/>
           </a:p>
           <a:p>
             <a:pPr lvl="4"/>
@@ -1609,7 +1598,6 @@
           <a:p>
             <a:fld id="{25276841-8802-4EC8-A7DA-2B5D4D8B3E09}" type="datetimeFigureOut">
               <a:rPr lang="en-US" smtClean="0"/>
-              <a:t>5/21/2022</a:t>
             </a:fld>
             <a:endParaRPr lang="en-US"/>
           </a:p>
@@ -1651,18 +1639,12 @@
           <a:p>
             <a:fld id="{E2DDB743-184F-4CDE-AB80-5E0F86190CE7}" type="slidenum">
               <a:rPr lang="en-US" smtClean="0"/>
-              <a:t>‹#›</a:t>
             </a:fld>
             <a:endParaRPr lang="en-US"/>
           </a:p>
         </p:txBody>
       </p:sp>
     </p:spTree>
-    <p:extLst>
-      <p:ext uri="{BB962C8B-B14F-4D97-AF65-F5344CB8AC3E}">
-        <p14:creationId xmlns:p14="http://schemas.microsoft.com/office/powerpoint/2010/main" val="3428327578"/>
-      </p:ext>
-    </p:extLst>
   </p:cSld>
   <p:clrMapOvr>
     <a:masterClrMapping/>
@@ -1727,7 +1709,6 @@
           <a:p>
             <a:fld id="{25276841-8802-4EC8-A7DA-2B5D4D8B3E09}" type="datetimeFigureOut">
               <a:rPr lang="en-US" smtClean="0"/>
-              <a:t>5/21/2022</a:t>
             </a:fld>
             <a:endParaRPr lang="en-US"/>
           </a:p>
@@ -1769,18 +1750,12 @@
           <a:p>
             <a:fld id="{E2DDB743-184F-4CDE-AB80-5E0F86190CE7}" type="slidenum">
               <a:rPr lang="en-US" smtClean="0"/>
-              <a:t>‹#›</a:t>
             </a:fld>
             <a:endParaRPr lang="en-US"/>
           </a:p>
         </p:txBody>
       </p:sp>
     </p:spTree>
-    <p:extLst>
-      <p:ext uri="{BB962C8B-B14F-4D97-AF65-F5344CB8AC3E}">
-        <p14:creationId xmlns:p14="http://schemas.microsoft.com/office/powerpoint/2010/main" val="187535935"/>
-      </p:ext>
-    </p:extLst>
   </p:cSld>
   <p:clrMapOvr>
     <a:masterClrMapping/>
@@ -1822,7 +1797,6 @@
           <a:p>
             <a:fld id="{25276841-8802-4EC8-A7DA-2B5D4D8B3E09}" type="datetimeFigureOut">
               <a:rPr lang="en-US" smtClean="0"/>
-              <a:t>5/21/2022</a:t>
             </a:fld>
             <a:endParaRPr lang="en-US"/>
           </a:p>
@@ -1864,18 +1838,12 @@
           <a:p>
             <a:fld id="{E2DDB743-184F-4CDE-AB80-5E0F86190CE7}" type="slidenum">
               <a:rPr lang="en-US" smtClean="0"/>
-              <a:t>‹#›</a:t>
             </a:fld>
             <a:endParaRPr lang="en-US"/>
           </a:p>
         </p:txBody>
       </p:sp>
     </p:spTree>
-    <p:extLst>
-      <p:ext uri="{BB962C8B-B14F-4D97-AF65-F5344CB8AC3E}">
-        <p14:creationId xmlns:p14="http://schemas.microsoft.com/office/powerpoint/2010/main" val="1632206614"/>
-      </p:ext>
-    </p:extLst>
   </p:cSld>
   <p:clrMapOvr>
     <a:masterClrMapping/>
@@ -1985,6 +1953,7 @@
               <a:rPr lang="ru-RU" smtClean="0"/>
               <a:t>Образец текста</a:t>
             </a:r>
+            <a:endParaRPr lang="ru-RU" smtClean="0"/>
           </a:p>
           <a:p>
             <a:pPr lvl="1"/>
@@ -1992,6 +1961,7 @@
               <a:rPr lang="ru-RU" smtClean="0"/>
               <a:t>Второй уровень</a:t>
             </a:r>
+            <a:endParaRPr lang="ru-RU" smtClean="0"/>
           </a:p>
           <a:p>
             <a:pPr lvl="2"/>
@@ -1999,6 +1969,7 @@
               <a:rPr lang="ru-RU" smtClean="0"/>
               <a:t>Третий уровень</a:t>
             </a:r>
+            <a:endParaRPr lang="ru-RU" smtClean="0"/>
           </a:p>
           <a:p>
             <a:pPr lvl="3"/>
@@ -2006,6 +1977,7 @@
               <a:rPr lang="ru-RU" smtClean="0"/>
               <a:t>Четвертый уровень</a:t>
             </a:r>
+            <a:endParaRPr lang="ru-RU" smtClean="0"/>
           </a:p>
           <a:p>
             <a:pPr lvl="4"/>
@@ -2079,6 +2051,7 @@
               <a:rPr lang="ru-RU" smtClean="0"/>
               <a:t>Образец текста</a:t>
             </a:r>
+            <a:endParaRPr lang="ru-RU" smtClean="0"/>
           </a:p>
         </p:txBody>
       </p:sp>
@@ -2099,7 +2072,6 @@
           <a:p>
             <a:fld id="{25276841-8802-4EC8-A7DA-2B5D4D8B3E09}" type="datetimeFigureOut">
               <a:rPr lang="en-US" smtClean="0"/>
-              <a:t>5/21/2022</a:t>
             </a:fld>
             <a:endParaRPr lang="en-US"/>
           </a:p>
@@ -2141,18 +2113,12 @@
           <a:p>
             <a:fld id="{E2DDB743-184F-4CDE-AB80-5E0F86190CE7}" type="slidenum">
               <a:rPr lang="en-US" smtClean="0"/>
-              <a:t>‹#›</a:t>
             </a:fld>
             <a:endParaRPr lang="en-US"/>
           </a:p>
         </p:txBody>
       </p:sp>
     </p:spTree>
-    <p:extLst>
-      <p:ext uri="{BB962C8B-B14F-4D97-AF65-F5344CB8AC3E}">
-        <p14:creationId xmlns:p14="http://schemas.microsoft.com/office/powerpoint/2010/main" val="3302500792"/>
-      </p:ext>
-    </p:extLst>
   </p:cSld>
   <p:clrMapOvr>
     <a:masterClrMapping/>
@@ -2332,6 +2298,7 @@
               <a:rPr lang="ru-RU" smtClean="0"/>
               <a:t>Образец текста</a:t>
             </a:r>
+            <a:endParaRPr lang="ru-RU" smtClean="0"/>
           </a:p>
         </p:txBody>
       </p:sp>
@@ -2352,7 +2319,6 @@
           <a:p>
             <a:fld id="{25276841-8802-4EC8-A7DA-2B5D4D8B3E09}" type="datetimeFigureOut">
               <a:rPr lang="en-US" smtClean="0"/>
-              <a:t>5/21/2022</a:t>
             </a:fld>
             <a:endParaRPr lang="en-US"/>
           </a:p>
@@ -2394,18 +2360,12 @@
           <a:p>
             <a:fld id="{E2DDB743-184F-4CDE-AB80-5E0F86190CE7}" type="slidenum">
               <a:rPr lang="en-US" smtClean="0"/>
-              <a:t>‹#›</a:t>
             </a:fld>
             <a:endParaRPr lang="en-US"/>
           </a:p>
         </p:txBody>
       </p:sp>
     </p:spTree>
-    <p:extLst>
-      <p:ext uri="{BB962C8B-B14F-4D97-AF65-F5344CB8AC3E}">
-        <p14:creationId xmlns:p14="http://schemas.microsoft.com/office/powerpoint/2010/main" val="948952612"/>
-      </p:ext>
-    </p:extLst>
   </p:cSld>
   <p:clrMapOvr>
     <a:masterClrMapping/>
@@ -2498,6 +2458,7 @@
               <a:rPr lang="ru-RU" smtClean="0"/>
               <a:t>Образец текста</a:t>
             </a:r>
+            <a:endParaRPr lang="ru-RU" smtClean="0"/>
           </a:p>
           <a:p>
             <a:pPr lvl="1"/>
@@ -2505,6 +2466,7 @@
               <a:rPr lang="ru-RU" smtClean="0"/>
               <a:t>Второй уровень</a:t>
             </a:r>
+            <a:endParaRPr lang="ru-RU" smtClean="0"/>
           </a:p>
           <a:p>
             <a:pPr lvl="2"/>
@@ -2512,6 +2474,7 @@
               <a:rPr lang="ru-RU" smtClean="0"/>
               <a:t>Третий уровень</a:t>
             </a:r>
+            <a:endParaRPr lang="ru-RU" smtClean="0"/>
           </a:p>
           <a:p>
             <a:pPr lvl="3"/>
@@ -2519,6 +2482,7 @@
               <a:rPr lang="ru-RU" smtClean="0"/>
               <a:t>Четвертый уровень</a:t>
             </a:r>
+            <a:endParaRPr lang="ru-RU" smtClean="0"/>
           </a:p>
           <a:p>
             <a:pPr lvl="4"/>
@@ -2565,7 +2529,6 @@
           <a:p>
             <a:fld id="{25276841-8802-4EC8-A7DA-2B5D4D8B3E09}" type="datetimeFigureOut">
               <a:rPr lang="en-US" smtClean="0"/>
-              <a:t>5/21/2022</a:t>
             </a:fld>
             <a:endParaRPr lang="en-US"/>
           </a:p>
@@ -2643,18 +2606,12 @@
           <a:p>
             <a:fld id="{E2DDB743-184F-4CDE-AB80-5E0F86190CE7}" type="slidenum">
               <a:rPr lang="en-US" smtClean="0"/>
-              <a:t>‹#›</a:t>
             </a:fld>
             <a:endParaRPr lang="en-US"/>
           </a:p>
         </p:txBody>
       </p:sp>
     </p:spTree>
-    <p:extLst>
-      <p:ext uri="{BB962C8B-B14F-4D97-AF65-F5344CB8AC3E}">
-        <p14:creationId xmlns:p14="http://schemas.microsoft.com/office/powerpoint/2010/main" val="4223869027"/>
-      </p:ext>
-    </p:extLst>
   </p:cSld>
   <p:clrMap bg1="lt1" tx1="dk1" bg2="lt2" tx2="dk2" accent1="accent1" accent2="accent2" accent3="accent3" accent4="accent4" accent5="accent5" accent6="accent6" hlink="hlink" folHlink="folHlink"/>
   <p:sldLayoutIdLst>
@@ -3125,6 +3082,16 @@
               </a:rPr>
               <a:t> М.Р. СДП-ИИТ-171</a:t>
             </a:r>
+            <a:endParaRPr lang="ru-RU" sz="2400" dirty="0" smtClean="0">
+              <a:solidFill>
+                <a:schemeClr val="tx1">
+                  <a:lumMod val="75000"/>
+                  <a:lumOff val="25000"/>
+                </a:schemeClr>
+              </a:solidFill>
+              <a:latin typeface="Lucida Sans Unicode" panose="020B0602030504020204" pitchFamily="34" charset="0"/>
+              <a:cs typeface="Lucida Sans Unicode" panose="020B0602030504020204" pitchFamily="34" charset="0"/>
+            </a:endParaRPr>
           </a:p>
           <a:p>
             <a:r>
@@ -3180,11 +3147,6 @@
         </p:txBody>
       </p:sp>
     </p:spTree>
-    <p:extLst>
-      <p:ext uri="{BB962C8B-B14F-4D97-AF65-F5344CB8AC3E}">
-        <p14:creationId xmlns:p14="http://schemas.microsoft.com/office/powerpoint/2010/main" val="2485328040"/>
-      </p:ext>
-    </p:extLst>
   </p:cSld>
   <p:clrMapOvr>
     <a:masterClrMapping/>
@@ -3355,15 +3317,20 @@
               </a:rPr>
               <a:t>.</a:t>
             </a:r>
+            <a:endParaRPr lang="ru-RU" sz="4400" dirty="0">
+              <a:solidFill>
+                <a:schemeClr val="tx1">
+                  <a:lumMod val="75000"/>
+                  <a:lumOff val="25000"/>
+                </a:schemeClr>
+              </a:solidFill>
+              <a:latin typeface="Lucida Sans Unicode" panose="020B0602030504020204" pitchFamily="34" charset="0"/>
+              <a:cs typeface="Lucida Sans Unicode" panose="020B0602030504020204" pitchFamily="34" charset="0"/>
+            </a:endParaRPr>
           </a:p>
         </p:txBody>
       </p:sp>
     </p:spTree>
-    <p:extLst>
-      <p:ext uri="{BB962C8B-B14F-4D97-AF65-F5344CB8AC3E}">
-        <p14:creationId xmlns:p14="http://schemas.microsoft.com/office/powerpoint/2010/main" val="577486318"/>
-      </p:ext>
-    </p:extLst>
   </p:cSld>
   <p:clrMapOvr>
     <a:masterClrMapping/>
@@ -3441,7 +3408,12 @@
             <p:ph idx="1"/>
           </p:nvPr>
         </p:nvSpPr>
-        <p:spPr/>
+        <p:spPr>
+          <a:xfrm>
+            <a:off x="838200" y="1825625"/>
+            <a:ext cx="10515600" cy="4864100"/>
+          </a:xfrm>
+        </p:spPr>
         <p:txBody>
           <a:bodyPr>
             <a:noAutofit/>
@@ -3463,8 +3435,18 @@
                 <a:latin typeface="Lucida Sans Unicode" panose="020B0602030504020204" pitchFamily="34" charset="0"/>
                 <a:cs typeface="Lucida Sans Unicode" panose="020B0602030504020204" pitchFamily="34" charset="0"/>
               </a:rPr>
-              <a:t>Разработать инструмент сбора данных для обучения нейронной сети.</a:t>
-            </a:r>
+              <a:t>Разработать инструмент для сбора данных.</a:t>
+            </a:r>
+            <a:endParaRPr lang="ru-RU" sz="3200" dirty="0">
+              <a:solidFill>
+                <a:schemeClr val="tx1">
+                  <a:lumMod val="75000"/>
+                  <a:lumOff val="25000"/>
+                </a:schemeClr>
+              </a:solidFill>
+              <a:latin typeface="Lucida Sans Unicode" panose="020B0602030504020204" pitchFamily="34" charset="0"/>
+              <a:cs typeface="Lucida Sans Unicode" panose="020B0602030504020204" pitchFamily="34" charset="0"/>
+            </a:endParaRPr>
           </a:p>
           <a:p>
             <a:pPr marL="514350" lvl="0" indent="-514350">
@@ -3482,8 +3464,18 @@
                 <a:latin typeface="Lucida Sans Unicode" panose="020B0602030504020204" pitchFamily="34" charset="0"/>
                 <a:cs typeface="Lucida Sans Unicode" panose="020B0602030504020204" pitchFamily="34" charset="0"/>
               </a:rPr>
-              <a:t>Собрать данные.</a:t>
-            </a:r>
+              <a:t>Собрать данные для обучения нейронной сети.</a:t>
+            </a:r>
+            <a:endParaRPr lang="ru-RU" sz="3200" dirty="0">
+              <a:solidFill>
+                <a:schemeClr val="tx1">
+                  <a:lumMod val="75000"/>
+                  <a:lumOff val="25000"/>
+                </a:schemeClr>
+              </a:solidFill>
+              <a:latin typeface="Lucida Sans Unicode" panose="020B0602030504020204" pitchFamily="34" charset="0"/>
+              <a:cs typeface="Lucida Sans Unicode" panose="020B0602030504020204" pitchFamily="34" charset="0"/>
+            </a:endParaRPr>
           </a:p>
           <a:p>
             <a:pPr marL="514350" lvl="0" indent="-514350">
@@ -3501,8 +3493,18 @@
                 <a:latin typeface="Lucida Sans Unicode" panose="020B0602030504020204" pitchFamily="34" charset="0"/>
                 <a:cs typeface="Lucida Sans Unicode" panose="020B0602030504020204" pitchFamily="34" charset="0"/>
               </a:rPr>
-              <a:t>Провести анализ и обработку собранных данных.</a:t>
-            </a:r>
+              <a:t>Провести анализ и обработку собранных данных для подготовки датасета.</a:t>
+            </a:r>
+            <a:endParaRPr lang="ru-RU" sz="3200" dirty="0">
+              <a:solidFill>
+                <a:schemeClr val="tx1">
+                  <a:lumMod val="75000"/>
+                  <a:lumOff val="25000"/>
+                </a:schemeClr>
+              </a:solidFill>
+              <a:latin typeface="Lucida Sans Unicode" panose="020B0602030504020204" pitchFamily="34" charset="0"/>
+              <a:cs typeface="Lucida Sans Unicode" panose="020B0602030504020204" pitchFamily="34" charset="0"/>
+            </a:endParaRPr>
           </a:p>
           <a:p>
             <a:pPr marL="514350" lvl="0" indent="-514350">
@@ -3520,8 +3522,18 @@
                 <a:latin typeface="Lucida Sans Unicode" panose="020B0602030504020204" pitchFamily="34" charset="0"/>
                 <a:cs typeface="Lucida Sans Unicode" panose="020B0602030504020204" pitchFamily="34" charset="0"/>
               </a:rPr>
-              <a:t>Обучить рекуррентную нейронную сеть LSTM.</a:t>
-            </a:r>
+              <a:t>Обучить рекуррентную нейронную сеть LSTM для классификации.</a:t>
+            </a:r>
+            <a:endParaRPr lang="ru-RU" sz="3200" dirty="0">
+              <a:solidFill>
+                <a:schemeClr val="tx1">
+                  <a:lumMod val="75000"/>
+                  <a:lumOff val="25000"/>
+                </a:schemeClr>
+              </a:solidFill>
+              <a:latin typeface="Lucida Sans Unicode" panose="020B0602030504020204" pitchFamily="34" charset="0"/>
+              <a:cs typeface="Lucida Sans Unicode" panose="020B0602030504020204" pitchFamily="34" charset="0"/>
+            </a:endParaRPr>
           </a:p>
           <a:p>
             <a:pPr marL="514350" lvl="0" indent="-514350">
@@ -3539,20 +3551,7 @@
                 <a:latin typeface="Lucida Sans Unicode" panose="020B0602030504020204" pitchFamily="34" charset="0"/>
                 <a:cs typeface="Lucida Sans Unicode" panose="020B0602030504020204" pitchFamily="34" charset="0"/>
               </a:rPr>
-              <a:t>Разработать приложение системы HMI, идентифицирующее жестовые команды в видеопотоке</a:t>
-            </a:r>
-            <a:r>
-              <a:rPr lang="ru-RU" sz="3200" dirty="0" smtClean="0">
-                <a:solidFill>
-                  <a:schemeClr val="tx1">
-                    <a:lumMod val="75000"/>
-                    <a:lumOff val="25000"/>
-                  </a:schemeClr>
-                </a:solidFill>
-                <a:latin typeface="Lucida Sans Unicode" panose="020B0602030504020204" pitchFamily="34" charset="0"/>
-                <a:cs typeface="Lucida Sans Unicode" panose="020B0602030504020204" pitchFamily="34" charset="0"/>
-              </a:rPr>
-              <a:t>.</a:t>
+              <a:t>Разработать приложение системы HMI для идентификации жестовых команд в видеопотоке.</a:t>
             </a:r>
             <a:endParaRPr lang="ru-RU" sz="3200" dirty="0">
               <a:solidFill>
@@ -3568,11 +3567,6 @@
         </p:txBody>
       </p:sp>
     </p:spTree>
-    <p:extLst>
-      <p:ext uri="{BB962C8B-B14F-4D97-AF65-F5344CB8AC3E}">
-        <p14:creationId xmlns:p14="http://schemas.microsoft.com/office/powerpoint/2010/main" val="154576501"/>
-      </p:ext>
-    </p:extLst>
   </p:cSld>
   <p:clrMapOvr>
     <a:masterClrMapping/>
@@ -3652,7 +3646,7 @@
           <p:nvPr/>
         </p:nvPicPr>
         <p:blipFill>
-          <a:blip r:embed="rId2"/>
+          <a:blip r:embed="rId1"/>
           <a:stretch>
             <a:fillRect/>
           </a:stretch>
@@ -3676,9 +3670,11 @@
           <p:nvPr/>
         </p:nvPicPr>
         <p:blipFill rotWithShape="1">
-          <a:blip r:embed="rId3"/>
+          <a:blip r:embed="rId2"/>
           <a:srcRect l="1205" t="1743" r="980" b="2951"/>
-          <a:stretch/>
+          <a:stretch>
+            <a:fillRect/>
+          </a:stretch>
         </p:blipFill>
         <p:spPr>
           <a:xfrm>
@@ -3691,11 +3687,6 @@
         </p:spPr>
       </p:pic>
     </p:spTree>
-    <p:extLst>
-      <p:ext uri="{BB962C8B-B14F-4D97-AF65-F5344CB8AC3E}">
-        <p14:creationId xmlns:p14="http://schemas.microsoft.com/office/powerpoint/2010/main" val="1868914629"/>
-      </p:ext>
-    </p:extLst>
   </p:cSld>
   <p:clrMapOvr>
     <a:masterClrMapping/>
@@ -3777,9 +3768,11 @@
           <p:nvPr/>
         </p:nvPicPr>
         <p:blipFill rotWithShape="1">
-          <a:blip r:embed="rId2"/>
+          <a:blip r:embed="rId1"/>
           <a:srcRect l="18285" t="9599" r="22918" b="18251"/>
-          <a:stretch/>
+          <a:stretch>
+            <a:fillRect/>
+          </a:stretch>
         </p:blipFill>
         <p:spPr>
           <a:xfrm>
@@ -3800,9 +3793,11 @@
           <p:nvPr/>
         </p:nvPicPr>
         <p:blipFill rotWithShape="1">
-          <a:blip r:embed="rId3"/>
+          <a:blip r:embed="rId2"/>
           <a:srcRect l="15803" t="7822" r="20191" b="8380"/>
-          <a:stretch/>
+          <a:stretch>
+            <a:fillRect/>
+          </a:stretch>
         </p:blipFill>
         <p:spPr>
           <a:xfrm>
@@ -3823,9 +3818,11 @@
           <p:nvPr/>
         </p:nvPicPr>
         <p:blipFill rotWithShape="1">
-          <a:blip r:embed="rId4"/>
+          <a:blip r:embed="rId3"/>
           <a:srcRect l="6879" t="6589" r="5770" b="4277"/>
-          <a:stretch/>
+          <a:stretch>
+            <a:fillRect/>
+          </a:stretch>
         </p:blipFill>
         <p:spPr>
           <a:xfrm>
@@ -3838,11 +3835,6 @@
         </p:spPr>
       </p:pic>
     </p:spTree>
-    <p:extLst>
-      <p:ext uri="{BB962C8B-B14F-4D97-AF65-F5344CB8AC3E}">
-        <p14:creationId xmlns:p14="http://schemas.microsoft.com/office/powerpoint/2010/main" val="3460464177"/>
-      </p:ext>
-    </p:extLst>
   </p:cSld>
   <p:clrMapOvr>
     <a:masterClrMapping/>
@@ -3931,9 +3923,11 @@
           <p:nvPr/>
         </p:nvPicPr>
         <p:blipFill rotWithShape="1">
-          <a:blip r:embed="rId2"/>
+          <a:blip r:embed="rId1"/>
           <a:srcRect l="2512" t="6849" r="24276" b="20433"/>
-          <a:stretch/>
+          <a:stretch>
+            <a:fillRect/>
+          </a:stretch>
         </p:blipFill>
         <p:spPr>
           <a:xfrm>
@@ -4373,11 +4367,6 @@
         </p:txBody>
       </p:sp>
     </p:spTree>
-    <p:extLst>
-      <p:ext uri="{BB962C8B-B14F-4D97-AF65-F5344CB8AC3E}">
-        <p14:creationId xmlns:p14="http://schemas.microsoft.com/office/powerpoint/2010/main" val="3845182293"/>
-      </p:ext>
-    </p:extLst>
   </p:cSld>
   <p:clrMapOvr>
     <a:masterClrMapping/>
@@ -4472,7 +4461,7 @@
           <p:nvPr/>
         </p:nvPicPr>
         <p:blipFill>
-          <a:blip r:embed="rId2"/>
+          <a:blip r:embed="rId1"/>
           <a:stretch>
             <a:fillRect/>
           </a:stretch>
@@ -4494,6 +4483,34 @@
       <p:pic>
         <p:nvPicPr>
           <p:cNvPr id="6" name="Изображение 74"/>
+          <p:cNvPicPr>
+            <a:picLocks noChangeAspect="1"/>
+          </p:cNvPicPr>
+          <p:nvPr/>
+        </p:nvPicPr>
+        <p:blipFill>
+          <a:blip r:embed="rId2"/>
+          <a:stretch>
+            <a:fillRect/>
+          </a:stretch>
+        </p:blipFill>
+        <p:spPr>
+          <a:xfrm>
+            <a:off x="7452329" y="4244788"/>
+            <a:ext cx="3901471" cy="2458740"/>
+          </a:xfrm>
+          <a:prstGeom prst="rect">
+            <a:avLst/>
+          </a:prstGeom>
+          <a:noFill/>
+          <a:ln>
+            <a:noFill/>
+          </a:ln>
+        </p:spPr>
+      </p:pic>
+      <p:pic>
+        <p:nvPicPr>
+          <p:cNvPr id="7" name="Изображение 75"/>
           <p:cNvPicPr>
             <a:picLocks noChangeAspect="1"/>
           </p:cNvPicPr>
@@ -4507,8 +4524,8 @@
         </p:blipFill>
         <p:spPr>
           <a:xfrm>
-            <a:off x="7452329" y="4244788"/>
-            <a:ext cx="3901471" cy="2458740"/>
+            <a:off x="5241336" y="1589083"/>
+            <a:ext cx="3690932" cy="2458740"/>
           </a:xfrm>
           <a:prstGeom prst="rect">
             <a:avLst/>
@@ -4521,7 +4538,7 @@
       </p:pic>
       <p:pic>
         <p:nvPicPr>
-          <p:cNvPr id="7" name="Изображение 75"/>
+          <p:cNvPr id="9" name="Изображение 77"/>
           <p:cNvPicPr>
             <a:picLocks noChangeAspect="1"/>
           </p:cNvPicPr>
@@ -4535,8 +4552,8 @@
         </p:blipFill>
         <p:spPr>
           <a:xfrm>
-            <a:off x="5241336" y="1589083"/>
-            <a:ext cx="3690932" cy="2458740"/>
+            <a:off x="2023285" y="4244788"/>
+            <a:ext cx="3837868" cy="2458740"/>
           </a:xfrm>
           <a:prstGeom prst="rect">
             <a:avLst/>
@@ -4547,40 +4564,7 @@
           </a:ln>
         </p:spPr>
       </p:pic>
-      <p:pic>
-        <p:nvPicPr>
-          <p:cNvPr id="9" name="Изображение 77"/>
-          <p:cNvPicPr>
-            <a:picLocks noChangeAspect="1"/>
-          </p:cNvPicPr>
-          <p:nvPr/>
-        </p:nvPicPr>
-        <p:blipFill>
-          <a:blip r:embed="rId5"/>
-          <a:stretch>
-            <a:fillRect/>
-          </a:stretch>
-        </p:blipFill>
-        <p:spPr>
-          <a:xfrm>
-            <a:off x="2023285" y="4244788"/>
-            <a:ext cx="3837868" cy="2458740"/>
-          </a:xfrm>
-          <a:prstGeom prst="rect">
-            <a:avLst/>
-          </a:prstGeom>
-          <a:noFill/>
-          <a:ln>
-            <a:noFill/>
-          </a:ln>
-        </p:spPr>
-      </p:pic>
     </p:spTree>
-    <p:extLst>
-      <p:ext uri="{BB962C8B-B14F-4D97-AF65-F5344CB8AC3E}">
-        <p14:creationId xmlns:p14="http://schemas.microsoft.com/office/powerpoint/2010/main" val="575802645"/>
-      </p:ext>
-    </p:extLst>
   </p:cSld>
   <p:clrMapOvr>
     <a:masterClrMapping/>
@@ -4631,7 +4615,7 @@
     </a:clrScheme>
     <a:fontScheme name="Стандартная">
       <a:majorFont>
-        <a:latin typeface="Calibri Light" panose="020F0302020204030204"/>
+        <a:latin typeface="Calibri Light"/>
         <a:ea typeface=""/>
         <a:cs typeface=""/>
         <a:font script="Jpan" typeface="游ゴシック Light"/>
@@ -4666,7 +4650,7 @@
         <a:font script="Geor" typeface="Sylfaen"/>
       </a:majorFont>
       <a:minorFont>
-        <a:latin typeface="Calibri" panose="020F0502020204030204"/>
+        <a:latin typeface="Calibri"/>
         <a:ea typeface=""/>
         <a:cs typeface=""/>
         <a:font script="Jpan" typeface="游ゴシック"/>
@@ -4839,8 +4823,6 @@
       </a:bgFillStyleLst>
     </a:fmtScheme>
   </a:themeElements>
-  <a:objectDefaults/>
-  <a:extraClrSchemeLst/>
   <a:extLst>
     <a:ext uri="{05A4C25C-085E-4340-85A3-A5531E510DB2}">
       <thm15:themeFamily xmlns:thm15="http://schemas.microsoft.com/office/thememl/2012/main" name="Office Theme" id="{62F939B6-93AF-4DB8-9C6B-D6C7DFDC589F}" vid="{4A3C46E8-61CC-4603-A589-7422A47A8E4A}"/>

--- a/презентация.pptx
+++ b/презентация.pptx
@@ -5,13 +5,12 @@
     <p:sldMasterId id="2147483648" r:id="rId1"/>
   </p:sldMasterIdLst>
   <p:sldIdLst>
-    <p:sldId id="256" r:id="rId3"/>
-    <p:sldId id="257" r:id="rId4"/>
-    <p:sldId id="258" r:id="rId5"/>
-    <p:sldId id="259" r:id="rId6"/>
-    <p:sldId id="260" r:id="rId7"/>
-    <p:sldId id="262" r:id="rId8"/>
-    <p:sldId id="261" r:id="rId9"/>
+    <p:sldId id="264" r:id="rId3"/>
+    <p:sldId id="265" r:id="rId4"/>
+    <p:sldId id="259" r:id="rId5"/>
+    <p:sldId id="260" r:id="rId6"/>
+    <p:sldId id="262" r:id="rId7"/>
+    <p:sldId id="261" r:id="rId8"/>
   </p:sldIdLst>
   <p:sldSz cx="12192000" cy="6858000"/>
   <p:notesSz cx="6858000" cy="9144000"/>
@@ -2934,21 +2933,24 @@
             <a:spLocks noGrp="1"/>
           </p:cNvSpPr>
           <p:nvPr>
-            <p:ph type="ctrTitle"/>
-          </p:nvPr>
-        </p:nvSpPr>
-        <p:spPr>
-          <a:xfrm>
-            <a:off x="1523999" y="711199"/>
-            <a:ext cx="9144000" cy="1046163"/>
-          </a:xfrm>
-        </p:spPr>
-        <p:txBody>
-          <a:bodyPr/>
-          <a:lstStyle/>
-          <a:p>
-            <a:r>
-              <a:rPr lang="ru-RU" dirty="0" smtClean="0">
+            <p:ph type="title"/>
+          </p:nvPr>
+        </p:nvSpPr>
+        <p:spPr>
+          <a:xfrm>
+            <a:off x="838200" y="116205"/>
+            <a:ext cx="10515600" cy="1385570"/>
+          </a:xfrm>
+        </p:spPr>
+        <p:txBody>
+          <a:bodyPr>
+            <a:normAutofit fontScale="90000"/>
+          </a:bodyPr>
+          <a:lstStyle/>
+          <a:p>
+            <a:pPr algn="ctr"/>
+            <a:r>
+              <a:rPr lang="ru-RU" sz="3200" dirty="0" smtClean="0">
                 <a:solidFill>
                   <a:schemeClr val="tx1">
                     <a:lumMod val="75000"/>
@@ -2957,10 +2959,245 @@
                 </a:solidFill>
                 <a:latin typeface="Lucida Sans Unicode" panose="020B0602030504020204" pitchFamily="34" charset="0"/>
                 <a:cs typeface="Lucida Sans Unicode" panose="020B0602030504020204" pitchFamily="34" charset="0"/>
+                <a:sym typeface="+mn-ea"/>
               </a:rPr>
-              <a:t>ДИПЛОМНЫЙ ПРОЕКТ</a:t>
-            </a:r>
-            <a:endParaRPr lang="en-US" dirty="0">
+              <a:t>РЕАЛИЗАЦИЯ СИСТЕМЫ HMI ДЛЯ БЕСКОНТАКТНОГО УПРАВЛЕНИЯ ОБОРУДОВАНИЕМ НА ОСНОВЕ ЖЕСТОВЫХ КОМАНД</a:t>
+            </a:r>
+            <a:endParaRPr lang="ru-RU" sz="3200" b="1" dirty="0" smtClean="0">
+              <a:solidFill>
+                <a:schemeClr val="tx1">
+                  <a:lumMod val="75000"/>
+                  <a:lumOff val="25000"/>
+                </a:schemeClr>
+              </a:solidFill>
+              <a:latin typeface="Lucida Sans Unicode" panose="020B0602030504020204" pitchFamily="34" charset="0"/>
+              <a:cs typeface="Lucida Sans Unicode" panose="020B0602030504020204" pitchFamily="34" charset="0"/>
+              <a:sym typeface="+mn-ea"/>
+            </a:endParaRPr>
+          </a:p>
+        </p:txBody>
+      </p:sp>
+      <p:sp>
+        <p:nvSpPr>
+          <p:cNvPr id="3" name="TextBox 2"/>
+          <p:cNvSpPr txBox="1"/>
+          <p:nvPr/>
+        </p:nvSpPr>
+        <p:spPr>
+          <a:xfrm>
+            <a:off x="314178" y="1502688"/>
+            <a:ext cx="11563643" cy="5169535"/>
+          </a:xfrm>
+          <a:prstGeom prst="rect">
+            <a:avLst/>
+          </a:prstGeom>
+          <a:noFill/>
+        </p:spPr>
+        <p:txBody>
+          <a:bodyPr wrap="square" rtlCol="0">
+            <a:spAutoFit/>
+          </a:bodyPr>
+          <a:lstStyle/>
+          <a:p>
+            <a:pPr lvl="0" algn="just">
+              <a:lnSpc>
+                <a:spcPct val="150000"/>
+              </a:lnSpc>
+            </a:pPr>
+            <a:r>
+              <a:rPr lang="ru-RU" sz="2400" dirty="0">
+                <a:solidFill>
+                  <a:schemeClr val="tx1">
+                    <a:lumMod val="75000"/>
+                    <a:lumOff val="25000"/>
+                  </a:schemeClr>
+                </a:solidFill>
+                <a:effectLst/>
+                <a:latin typeface="Lucida Sans Unicode" panose="020B0602030504020204" pitchFamily="34" charset="0"/>
+                <a:ea typeface="Noto Sans CJK SC Regular"/>
+                <a:cs typeface="Lucida Sans Unicode" panose="020B0602030504020204" pitchFamily="34" charset="0"/>
+              </a:rPr>
+              <a:t>	Цель работы:</a:t>
+            </a:r>
+            <a:r>
+              <a:rPr lang="ru-RU" sz="2400" dirty="0">
+                <a:solidFill>
+                  <a:schemeClr val="tx1">
+                    <a:lumMod val="75000"/>
+                    <a:lumOff val="25000"/>
+                  </a:schemeClr>
+                </a:solidFill>
+                <a:effectLst/>
+                <a:latin typeface="Times New Roman" panose="02020603050405020304" pitchFamily="18" charset="0"/>
+                <a:ea typeface="Noto Sans CJK SC Regular"/>
+                <a:cs typeface="Times New Roman" panose="02020603050405020304" pitchFamily="18" charset="0"/>
+              </a:rPr>
+              <a:t> </a:t>
+            </a:r>
+            <a:r>
+              <a:rPr lang="ru-RU" sz="2400" dirty="0" smtClean="0">
+                <a:solidFill>
+                  <a:schemeClr val="tx1">
+                    <a:lumMod val="75000"/>
+                    <a:lumOff val="25000"/>
+                  </a:schemeClr>
+                </a:solidFill>
+                <a:latin typeface="Lucida Sans Unicode" panose="020B0602030504020204" pitchFamily="34" charset="0"/>
+                <a:cs typeface="Lucida Sans Unicode" panose="020B0602030504020204" pitchFamily="34" charset="0"/>
+                <a:sym typeface="+mn-ea"/>
+              </a:rPr>
+              <a:t>Разработка </a:t>
+            </a:r>
+            <a:r>
+              <a:rPr lang="ru-RU" sz="2400" dirty="0">
+                <a:solidFill>
+                  <a:schemeClr val="tx1">
+                    <a:lumMod val="75000"/>
+                    <a:lumOff val="25000"/>
+                  </a:schemeClr>
+                </a:solidFill>
+                <a:latin typeface="Lucida Sans Unicode" panose="020B0602030504020204" pitchFamily="34" charset="0"/>
+                <a:cs typeface="Lucida Sans Unicode" panose="020B0602030504020204" pitchFamily="34" charset="0"/>
+                <a:sym typeface="+mn-ea"/>
+              </a:rPr>
+              <a:t>программного HMI </a:t>
+            </a:r>
+            <a:r>
+              <a:rPr lang="ru-RU" sz="2400" dirty="0" smtClean="0">
+                <a:solidFill>
+                  <a:schemeClr val="tx1">
+                    <a:lumMod val="75000"/>
+                    <a:lumOff val="25000"/>
+                  </a:schemeClr>
+                </a:solidFill>
+                <a:latin typeface="Lucida Sans Unicode" panose="020B0602030504020204" pitchFamily="34" charset="0"/>
+                <a:cs typeface="Lucida Sans Unicode" panose="020B0602030504020204" pitchFamily="34" charset="0"/>
+                <a:sym typeface="+mn-ea"/>
+              </a:rPr>
+              <a:t>для </a:t>
+            </a:r>
+            <a:r>
+              <a:rPr lang="ru-RU" sz="2400" dirty="0">
+                <a:solidFill>
+                  <a:schemeClr val="tx1">
+                    <a:lumMod val="75000"/>
+                    <a:lumOff val="25000"/>
+                  </a:schemeClr>
+                </a:solidFill>
+                <a:latin typeface="Lucida Sans Unicode" panose="020B0602030504020204" pitchFamily="34" charset="0"/>
+                <a:cs typeface="Lucida Sans Unicode" panose="020B0602030504020204" pitchFamily="34" charset="0"/>
+                <a:sym typeface="+mn-ea"/>
+              </a:rPr>
+              <a:t>распознавания жестов в видеопотоке и выполнением команд компьютера, согласно распознанному </a:t>
+            </a:r>
+            <a:r>
+              <a:rPr lang="ru-RU" sz="2400" dirty="0" smtClean="0">
+                <a:solidFill>
+                  <a:schemeClr val="tx1">
+                    <a:lumMod val="75000"/>
+                    <a:lumOff val="25000"/>
+                  </a:schemeClr>
+                </a:solidFill>
+                <a:latin typeface="Lucida Sans Unicode" panose="020B0602030504020204" pitchFamily="34" charset="0"/>
+                <a:cs typeface="Lucida Sans Unicode" panose="020B0602030504020204" pitchFamily="34" charset="0"/>
+                <a:sym typeface="+mn-ea"/>
+              </a:rPr>
+              <a:t>жесту</a:t>
+            </a:r>
+            <a:r>
+              <a:rPr lang="ru-RU" sz="2400" dirty="0">
+                <a:solidFill>
+                  <a:schemeClr val="tx1">
+                    <a:lumMod val="75000"/>
+                    <a:lumOff val="25000"/>
+                  </a:schemeClr>
+                </a:solidFill>
+                <a:latin typeface="Lucida Sans Unicode" panose="020B0602030504020204" pitchFamily="34" charset="0"/>
+                <a:cs typeface="Lucida Sans Unicode" panose="020B0602030504020204" pitchFamily="34" charset="0"/>
+                <a:sym typeface="+mn-ea"/>
+              </a:rPr>
+              <a:t>.</a:t>
+            </a:r>
+            <a:endParaRPr lang="ru-RU" sz="2400" dirty="0">
+              <a:solidFill>
+                <a:schemeClr val="tx1">
+                  <a:lumMod val="75000"/>
+                  <a:lumOff val="25000"/>
+                </a:schemeClr>
+              </a:solidFill>
+              <a:effectLst/>
+              <a:latin typeface="Times New Roman" panose="02020603050405020304" pitchFamily="18" charset="0"/>
+              <a:ea typeface="Noto Sans CJK SC Regular"/>
+              <a:cs typeface="Times New Roman" panose="02020603050405020304" pitchFamily="18" charset="0"/>
+            </a:endParaRPr>
+          </a:p>
+          <a:p>
+            <a:pPr lvl="0" algn="just">
+              <a:lnSpc>
+                <a:spcPct val="150000"/>
+              </a:lnSpc>
+            </a:pPr>
+            <a:r>
+              <a:rPr lang="ru-RU" sz="2400" dirty="0">
+                <a:solidFill>
+                  <a:schemeClr val="tx1">
+                    <a:lumMod val="75000"/>
+                    <a:lumOff val="25000"/>
+                  </a:schemeClr>
+                </a:solidFill>
+                <a:latin typeface="Times New Roman" panose="02020603050405020304" pitchFamily="18" charset="0"/>
+                <a:ea typeface="Noto Sans CJK SC Regular"/>
+                <a:cs typeface="Times New Roman" panose="02020603050405020304" pitchFamily="18" charset="0"/>
+              </a:rPr>
+              <a:t>	</a:t>
+            </a:r>
+            <a:r>
+              <a:rPr lang="ru-RU" sz="2400" dirty="0">
+                <a:solidFill>
+                  <a:schemeClr val="tx1">
+                    <a:lumMod val="75000"/>
+                    <a:lumOff val="25000"/>
+                  </a:schemeClr>
+                </a:solidFill>
+                <a:latin typeface="Lucida Sans Unicode" panose="020B0602030504020204" pitchFamily="34" charset="0"/>
+                <a:ea typeface="Noto Sans CJK SC Regular"/>
+                <a:cs typeface="Lucida Sans Unicode" panose="020B0602030504020204" pitchFamily="34" charset="0"/>
+              </a:rPr>
+              <a:t>Задачи:</a:t>
+            </a:r>
+            <a:endParaRPr lang="ru-RU" sz="2400" dirty="0">
+              <a:solidFill>
+                <a:schemeClr val="tx1">
+                  <a:lumMod val="75000"/>
+                  <a:lumOff val="25000"/>
+                </a:schemeClr>
+              </a:solidFill>
+              <a:effectLst/>
+              <a:latin typeface="Times New Roman" panose="02020603050405020304" pitchFamily="18" charset="0"/>
+              <a:ea typeface="Noto Sans CJK SC Regular"/>
+              <a:cs typeface="Times New Roman" panose="02020603050405020304" pitchFamily="18" charset="0"/>
+            </a:endParaRPr>
+          </a:p>
+          <a:p>
+            <a:pPr marL="514350" lvl="0" indent="-514350">
+              <a:buFont typeface="+mj-lt"/>
+              <a:buAutoNum type="arabicPeriod"/>
+            </a:pPr>
+            <a:r>
+              <a:rPr lang="ru-RU" sz="2400" dirty="0">
+                <a:solidFill>
+                  <a:schemeClr val="tx1">
+                    <a:lumMod val="75000"/>
+                    <a:lumOff val="25000"/>
+                  </a:schemeClr>
+                </a:solidFill>
+                <a:latin typeface="Lucida Sans Unicode" panose="020B0602030504020204" pitchFamily="34" charset="0"/>
+                <a:cs typeface="Lucida Sans Unicode" panose="020B0602030504020204" pitchFamily="34" charset="0"/>
+                <a:sym typeface="+mn-ea"/>
+              </a:rPr>
+              <a:t>Разработать инструмент для сбора данных.</a:t>
+            </a:r>
+            <a:endParaRPr lang="ru-RU" sz="2400" dirty="0">
               <a:solidFill>
                 <a:schemeClr val="tx1">
                   <a:lumMod val="75000"/>
@@ -2971,32 +3208,13 @@
               <a:cs typeface="Lucida Sans Unicode" panose="020B0602030504020204" pitchFamily="34" charset="0"/>
             </a:endParaRPr>
           </a:p>
-        </p:txBody>
-      </p:sp>
-      <p:sp>
-        <p:nvSpPr>
-          <p:cNvPr id="3" name="Подзаголовок 2"/>
-          <p:cNvSpPr>
-            <a:spLocks noGrp="1"/>
-          </p:cNvSpPr>
-          <p:nvPr>
-            <p:ph type="subTitle" idx="1"/>
-          </p:nvPr>
-        </p:nvSpPr>
-        <p:spPr>
-          <a:xfrm>
-            <a:off x="677333" y="2463800"/>
-            <a:ext cx="10837333" cy="2633134"/>
-          </a:xfrm>
-        </p:spPr>
-        <p:txBody>
-          <a:bodyPr>
-            <a:noAutofit/>
-          </a:bodyPr>
-          <a:lstStyle/>
-          <a:p>
-            <a:r>
-              <a:rPr lang="ru-RU" sz="4400" dirty="0" smtClean="0">
+          <a:p>
+            <a:pPr marL="514350" lvl="0" indent="-514350">
+              <a:buFont typeface="+mj-lt"/>
+              <a:buAutoNum type="arabicPeriod"/>
+            </a:pPr>
+            <a:r>
+              <a:rPr lang="ru-RU" sz="2400" dirty="0">
                 <a:solidFill>
                   <a:schemeClr val="tx1">
                     <a:lumMod val="75000"/>
@@ -3005,10 +3223,11 @@
                 </a:solidFill>
                 <a:latin typeface="Lucida Sans Unicode" panose="020B0602030504020204" pitchFamily="34" charset="0"/>
                 <a:cs typeface="Lucida Sans Unicode" panose="020B0602030504020204" pitchFamily="34" charset="0"/>
+                <a:sym typeface="+mn-ea"/>
               </a:rPr>
-              <a:t>РЕАЛИЗАЦИЯ СИСТЕМЫ HMI ДЛЯ БЕСКОНТАКТНОГО УПРАВЛЕНИЯ ОБОРУДОВАНИЕМ НА ОСНОВЕ ЖЕСТОВЫХ КОМАНД</a:t>
-            </a:r>
-            <a:endParaRPr lang="en-US" sz="4400" dirty="0">
+              <a:t>Собрать данные для обучения нейронной сети.</a:t>
+            </a:r>
+            <a:endParaRPr lang="ru-RU" sz="2400" dirty="0">
               <a:solidFill>
                 <a:schemeClr val="tx1">
                   <a:lumMod val="75000"/>
@@ -3019,32 +3238,13 @@
               <a:cs typeface="Lucida Sans Unicode" panose="020B0602030504020204" pitchFamily="34" charset="0"/>
             </a:endParaRPr>
           </a:p>
-        </p:txBody>
-      </p:sp>
-      <p:sp>
-        <p:nvSpPr>
-          <p:cNvPr id="4" name="TextBox 3"/>
-          <p:cNvSpPr txBox="1"/>
-          <p:nvPr/>
-        </p:nvSpPr>
-        <p:spPr>
-          <a:xfrm>
-            <a:off x="4301067" y="5977467"/>
-            <a:ext cx="7890933" cy="830997"/>
-          </a:xfrm>
-          <a:prstGeom prst="rect">
-            <a:avLst/>
-          </a:prstGeom>
-          <a:noFill/>
-        </p:spPr>
-        <p:txBody>
-          <a:bodyPr wrap="square" rtlCol="0">
-            <a:spAutoFit/>
-          </a:bodyPr>
-          <a:lstStyle/>
-          <a:p>
-            <a:r>
-              <a:rPr lang="ru-RU" sz="2400" dirty="0" smtClean="0">
+          <a:p>
+            <a:pPr marL="514350" lvl="0" indent="-514350">
+              <a:buFont typeface="+mj-lt"/>
+              <a:buAutoNum type="arabicPeriod"/>
+            </a:pPr>
+            <a:r>
+              <a:rPr lang="ru-RU" sz="2400" dirty="0">
                 <a:solidFill>
                   <a:schemeClr val="tx1">
                     <a:lumMod val="75000"/>
@@ -3053,36 +3253,11 @@
                 </a:solidFill>
                 <a:latin typeface="Lucida Sans Unicode" panose="020B0602030504020204" pitchFamily="34" charset="0"/>
                 <a:cs typeface="Lucida Sans Unicode" panose="020B0602030504020204" pitchFamily="34" charset="0"/>
+                <a:sym typeface="+mn-ea"/>
               </a:rPr>
-              <a:t>Разработал: 	</a:t>
-            </a:r>
-            <a:r>
-              <a:rPr lang="ru-RU" sz="2400" dirty="0" err="1" smtClean="0">
-                <a:solidFill>
-                  <a:schemeClr val="tx1">
-                    <a:lumMod val="75000"/>
-                    <a:lumOff val="25000"/>
-                  </a:schemeClr>
-                </a:solidFill>
-                <a:latin typeface="Lucida Sans Unicode" panose="020B0602030504020204" pitchFamily="34" charset="0"/>
-                <a:cs typeface="Lucida Sans Unicode" panose="020B0602030504020204" pitchFamily="34" charset="0"/>
-              </a:rPr>
-              <a:t>Ступакевич</a:t>
-            </a:r>
-            <a:r>
-              <a:rPr lang="ru-RU" sz="2400" dirty="0" smtClean="0">
-                <a:solidFill>
-                  <a:schemeClr val="tx1">
-                    <a:lumMod val="75000"/>
-                    <a:lumOff val="25000"/>
-                  </a:schemeClr>
-                </a:solidFill>
-                <a:latin typeface="Lucida Sans Unicode" panose="020B0602030504020204" pitchFamily="34" charset="0"/>
-                <a:cs typeface="Lucida Sans Unicode" panose="020B0602030504020204" pitchFamily="34" charset="0"/>
-              </a:rPr>
-              <a:t> М.Р. СДП-ИИТ-171</a:t>
-            </a:r>
-            <a:endParaRPr lang="ru-RU" sz="2400" dirty="0" smtClean="0">
+              <a:t>Провести анализ и обработку собранных данных для подготовки датасета.</a:t>
+            </a:r>
+            <a:endParaRPr lang="ru-RU" sz="2400" dirty="0">
               <a:solidFill>
                 <a:schemeClr val="tx1">
                   <a:lumMod val="75000"/>
@@ -3094,8 +3269,12 @@
             </a:endParaRPr>
           </a:p>
           <a:p>
-            <a:r>
-              <a:rPr lang="ru-RU" sz="2400" dirty="0" smtClean="0">
+            <a:pPr marL="514350" lvl="0" indent="-514350">
+              <a:buFont typeface="+mj-lt"/>
+              <a:buAutoNum type="arabicPeriod"/>
+            </a:pPr>
+            <a:r>
+              <a:rPr lang="ru-RU" sz="2400" dirty="0">
                 <a:solidFill>
                   <a:schemeClr val="tx1">
                     <a:lumMod val="75000"/>
@@ -3104,11 +3283,28 @@
                 </a:solidFill>
                 <a:latin typeface="Lucida Sans Unicode" panose="020B0602030504020204" pitchFamily="34" charset="0"/>
                 <a:cs typeface="Lucida Sans Unicode" panose="020B0602030504020204" pitchFamily="34" charset="0"/>
+                <a:sym typeface="+mn-ea"/>
               </a:rPr>
-              <a:t>Руководитель: 	</a:t>
-            </a:r>
-            <a:r>
-              <a:rPr lang="ru-RU" sz="2400" dirty="0" err="1" smtClean="0">
+              <a:t>Обучить рекуррентную нейронную сеть LSTM для классификации.</a:t>
+            </a:r>
+            <a:endParaRPr lang="ru-RU" sz="2400" dirty="0">
+              <a:solidFill>
+                <a:schemeClr val="tx1">
+                  <a:lumMod val="75000"/>
+                  <a:lumOff val="25000"/>
+                </a:schemeClr>
+              </a:solidFill>
+              <a:latin typeface="Lucida Sans Unicode" panose="020B0602030504020204" pitchFamily="34" charset="0"/>
+              <a:cs typeface="Lucida Sans Unicode" panose="020B0602030504020204" pitchFamily="34" charset="0"/>
+            </a:endParaRPr>
+          </a:p>
+          <a:p>
+            <a:pPr marL="514350" lvl="0" indent="-514350">
+              <a:buFont typeface="+mj-lt"/>
+              <a:buAutoNum type="arabicPeriod"/>
+            </a:pPr>
+            <a:r>
+              <a:rPr lang="ru-RU" sz="2400" dirty="0">
                 <a:solidFill>
                   <a:schemeClr val="tx1">
                     <a:lumMod val="75000"/>
@@ -3117,23 +3313,23 @@
                 </a:solidFill>
                 <a:latin typeface="Lucida Sans Unicode" panose="020B0602030504020204" pitchFamily="34" charset="0"/>
                 <a:cs typeface="Lucida Sans Unicode" panose="020B0602030504020204" pitchFamily="34" charset="0"/>
+                <a:sym typeface="+mn-ea"/>
               </a:rPr>
-              <a:t>Ассанович</a:t>
-            </a:r>
-            <a:r>
-              <a:rPr lang="ru-RU" sz="2400" dirty="0" smtClean="0">
-                <a:solidFill>
-                  <a:schemeClr val="tx1">
-                    <a:lumMod val="75000"/>
-                    <a:lumOff val="25000"/>
-                  </a:schemeClr>
-                </a:solidFill>
-                <a:latin typeface="Lucida Sans Unicode" panose="020B0602030504020204" pitchFamily="34" charset="0"/>
-                <a:cs typeface="Lucida Sans Unicode" panose="020B0602030504020204" pitchFamily="34" charset="0"/>
-              </a:rPr>
-              <a:t> Б.А. Доцент</a:t>
-            </a:r>
-            <a:endParaRPr lang="en-US" sz="2400" dirty="0">
+              <a:t>Разработать приложение системы HMI для идентификации жестовых команд в видеопотоке.</a:t>
+            </a:r>
+            <a:endParaRPr lang="ru-RU" sz="2400" dirty="0">
+              <a:solidFill>
+                <a:schemeClr val="tx1">
+                  <a:lumMod val="75000"/>
+                  <a:lumOff val="25000"/>
+                </a:schemeClr>
+              </a:solidFill>
+              <a:latin typeface="Lucida Sans Unicode" panose="020B0602030504020204" pitchFamily="34" charset="0"/>
+              <a:cs typeface="Lucida Sans Unicode" panose="020B0602030504020204" pitchFamily="34" charset="0"/>
+            </a:endParaRPr>
+          </a:p>
+          <a:p>
+            <a:endParaRPr lang="ru-RU" sz="2400" dirty="0">
               <a:solidFill>
                 <a:schemeClr val="tx1">
                   <a:lumMod val="75000"/>
@@ -3163,17 +3359,10 @@
         <p:cNvGrpSpPr/>
         <p:nvPr/>
       </p:nvGrpSpPr>
-      <p:grpSpPr>
-        <a:xfrm>
-          <a:off x="0" y="0"/>
-          <a:ext cx="0" cy="0"/>
-          <a:chOff x="0" y="0"/>
-          <a:chExt cx="0" cy="0"/>
-        </a:xfrm>
-      </p:grpSpPr>
-      <p:sp>
-        <p:nvSpPr>
-          <p:cNvPr id="2" name="Заголовок 1"/>
+      <p:grpSpPr/>
+      <p:sp>
+        <p:nvSpPr>
+          <p:cNvPr id="3" name="Заголовок 2"/>
           <p:cNvSpPr>
             <a:spLocks noGrp="1"/>
           </p:cNvSpPr>
@@ -3181,15 +3370,19 @@
             <p:ph type="title"/>
           </p:nvPr>
         </p:nvSpPr>
-        <p:spPr/>
+        <p:spPr>
+          <a:xfrm>
+            <a:off x="374650" y="386080"/>
+            <a:ext cx="11443970" cy="1325880"/>
+          </a:xfrm>
+        </p:spPr>
         <p:txBody>
           <a:bodyPr>
-            <a:normAutofit/>
+            <a:noAutofit/>
           </a:bodyPr>
-          <a:lstStyle/>
-          <a:p>
-            <a:r>
-              <a:rPr lang="ru-RU" sz="5400" dirty="0" smtClean="0">
+          <a:p>
+            <a:r>
+              <a:rPr lang="ru-RU" altLang="en-US" sz="4800">
                 <a:solidFill>
                   <a:schemeClr val="tx1">
                     <a:lumMod val="75000"/>
@@ -3199,9 +3392,9 @@
                 <a:latin typeface="Lucida Sans Unicode" panose="020B0602030504020204" pitchFamily="34" charset="0"/>
                 <a:cs typeface="Lucida Sans Unicode" panose="020B0602030504020204" pitchFamily="34" charset="0"/>
               </a:rPr>
-              <a:t>Цель проекта:</a:t>
-            </a:r>
-            <a:endParaRPr lang="en-US" sz="5400" dirty="0">
+              <a:t>Структурная схема работы системы</a:t>
+            </a:r>
+            <a:endParaRPr lang="ru-RU" altLang="en-US" sz="4800">
               <a:solidFill>
                 <a:schemeClr val="tx1">
                   <a:lumMod val="75000"/>
@@ -3214,122 +3407,38 @@
           </a:p>
         </p:txBody>
       </p:sp>
-      <p:sp>
-        <p:nvSpPr>
-          <p:cNvPr id="3" name="Объект 2"/>
-          <p:cNvSpPr>
-            <a:spLocks noGrp="1"/>
-          </p:cNvSpPr>
+      <p:pic>
+        <p:nvPicPr>
+          <p:cNvPr id="13" name="Изображение 48"/>
+          <p:cNvPicPr>
+            <a:picLocks noChangeAspect="1"/>
+          </p:cNvPicPr>
           <p:nvPr>
             <p:ph idx="1"/>
           </p:nvPr>
-        </p:nvSpPr>
-        <p:spPr>
-          <a:xfrm>
-            <a:off x="651933" y="1803400"/>
-            <a:ext cx="10701867" cy="4373563"/>
-          </a:xfrm>
-        </p:spPr>
-        <p:txBody>
-          <a:bodyPr>
-            <a:normAutofit/>
-          </a:bodyPr>
-          <a:lstStyle/>
-          <a:p>
-            <a:pPr marL="0" indent="0">
-              <a:buNone/>
-            </a:pPr>
-            <a:r>
-              <a:rPr lang="ru-RU" sz="4400" dirty="0" smtClean="0">
-                <a:solidFill>
-                  <a:schemeClr val="tx1">
-                    <a:lumMod val="75000"/>
-                    <a:lumOff val="25000"/>
-                  </a:schemeClr>
-                </a:solidFill>
-                <a:latin typeface="Lucida Sans Unicode" panose="020B0602030504020204" pitchFamily="34" charset="0"/>
-                <a:cs typeface="Lucida Sans Unicode" panose="020B0602030504020204" pitchFamily="34" charset="0"/>
-              </a:rPr>
-              <a:t>Разработка </a:t>
-            </a:r>
-            <a:r>
-              <a:rPr lang="ru-RU" sz="4400" dirty="0">
-                <a:solidFill>
-                  <a:schemeClr val="tx1">
-                    <a:lumMod val="75000"/>
-                    <a:lumOff val="25000"/>
-                  </a:schemeClr>
-                </a:solidFill>
-                <a:latin typeface="Lucida Sans Unicode" panose="020B0602030504020204" pitchFamily="34" charset="0"/>
-                <a:cs typeface="Lucida Sans Unicode" panose="020B0602030504020204" pitchFamily="34" charset="0"/>
-              </a:rPr>
-              <a:t>программного HMI </a:t>
-            </a:r>
-            <a:r>
-              <a:rPr lang="ru-RU" sz="4400" dirty="0" smtClean="0">
-                <a:solidFill>
-                  <a:schemeClr val="tx1">
-                    <a:lumMod val="75000"/>
-                    <a:lumOff val="25000"/>
-                  </a:schemeClr>
-                </a:solidFill>
-                <a:latin typeface="Lucida Sans Unicode" panose="020B0602030504020204" pitchFamily="34" charset="0"/>
-                <a:cs typeface="Lucida Sans Unicode" panose="020B0602030504020204" pitchFamily="34" charset="0"/>
-              </a:rPr>
-              <a:t>для </a:t>
-            </a:r>
-            <a:r>
-              <a:rPr lang="ru-RU" sz="4400" dirty="0">
-                <a:solidFill>
-                  <a:schemeClr val="tx1">
-                    <a:lumMod val="75000"/>
-                    <a:lumOff val="25000"/>
-                  </a:schemeClr>
-                </a:solidFill>
-                <a:latin typeface="Lucida Sans Unicode" panose="020B0602030504020204" pitchFamily="34" charset="0"/>
-                <a:cs typeface="Lucida Sans Unicode" panose="020B0602030504020204" pitchFamily="34" charset="0"/>
-              </a:rPr>
-              <a:t>распознавания жестов в видеопотоке и выполнением команд компьютера, согласно распознанному </a:t>
-            </a:r>
-            <a:r>
-              <a:rPr lang="ru-RU" sz="4400" dirty="0" smtClean="0">
-                <a:solidFill>
-                  <a:schemeClr val="tx1">
-                    <a:lumMod val="75000"/>
-                    <a:lumOff val="25000"/>
-                  </a:schemeClr>
-                </a:solidFill>
-                <a:latin typeface="Lucida Sans Unicode" panose="020B0602030504020204" pitchFamily="34" charset="0"/>
-                <a:cs typeface="Lucida Sans Unicode" panose="020B0602030504020204" pitchFamily="34" charset="0"/>
-              </a:rPr>
-              <a:t>жесту</a:t>
-            </a:r>
-            <a:r>
-              <a:rPr lang="ru-RU" sz="4400" dirty="0">
-                <a:solidFill>
-                  <a:schemeClr val="tx1">
-                    <a:lumMod val="75000"/>
-                    <a:lumOff val="25000"/>
-                  </a:schemeClr>
-                </a:solidFill>
-                <a:latin typeface="Lucida Sans Unicode" panose="020B0602030504020204" pitchFamily="34" charset="0"/>
-                <a:cs typeface="Lucida Sans Unicode" panose="020B0602030504020204" pitchFamily="34" charset="0"/>
-              </a:rPr>
-              <a:t>.</a:t>
-            </a:r>
-            <a:endParaRPr lang="ru-RU" sz="4400" dirty="0">
-              <a:solidFill>
-                <a:schemeClr val="tx1">
-                  <a:lumMod val="75000"/>
-                  <a:lumOff val="25000"/>
-                </a:schemeClr>
-              </a:solidFill>
-              <a:latin typeface="Lucida Sans Unicode" panose="020B0602030504020204" pitchFamily="34" charset="0"/>
-              <a:cs typeface="Lucida Sans Unicode" panose="020B0602030504020204" pitchFamily="34" charset="0"/>
-            </a:endParaRPr>
-          </a:p>
-        </p:txBody>
-      </p:sp>
+        </p:nvPicPr>
+        <p:blipFill>
+          <a:blip r:embed="rId1">
+            <a:grayscl/>
+          </a:blip>
+          <a:stretch>
+            <a:fillRect/>
+          </a:stretch>
+        </p:blipFill>
+        <p:spPr>
+          <a:xfrm>
+            <a:off x="374015" y="2808605"/>
+            <a:ext cx="11444605" cy="1872615"/>
+          </a:xfrm>
+          <a:prstGeom prst="rect">
+            <a:avLst/>
+          </a:prstGeom>
+          <a:noFill/>
+          <a:ln>
+            <a:noFill/>
+          </a:ln>
+        </p:spPr>
+      </p:pic>
     </p:spTree>
   </p:cSld>
   <p:clrMapOvr>
@@ -3365,7 +3474,12 @@
             <p:ph type="title"/>
           </p:nvPr>
         </p:nvSpPr>
-        <p:spPr/>
+        <p:spPr>
+          <a:xfrm>
+            <a:off x="804333" y="144991"/>
+            <a:ext cx="10515600" cy="1325563"/>
+          </a:xfrm>
+        </p:spPr>
         <p:txBody>
           <a:bodyPr>
             <a:normAutofit/>
@@ -3383,7 +3497,7 @@
                 <a:latin typeface="Lucida Sans Unicode" panose="020B0602030504020204" pitchFamily="34" charset="0"/>
                 <a:cs typeface="Lucida Sans Unicode" panose="020B0602030504020204" pitchFamily="34" charset="0"/>
               </a:rPr>
-              <a:t>Поставленные задачи:</a:t>
+              <a:t>Приложение сбора данных</a:t>
             </a:r>
             <a:endParaRPr lang="en-US" sz="5400" dirty="0">
               <a:solidFill>
@@ -3398,174 +3512,53 @@
           </a:p>
         </p:txBody>
       </p:sp>
-      <p:sp>
-        <p:nvSpPr>
-          <p:cNvPr id="3" name="Объект 2"/>
-          <p:cNvSpPr>
-            <a:spLocks noGrp="1"/>
-          </p:cNvSpPr>
-          <p:nvPr>
-            <p:ph idx="1"/>
-          </p:nvPr>
-        </p:nvSpPr>
-        <p:spPr>
-          <a:xfrm>
-            <a:off x="838200" y="1825625"/>
-            <a:ext cx="10515600" cy="4864100"/>
-          </a:xfrm>
-        </p:spPr>
-        <p:txBody>
-          <a:bodyPr>
-            <a:noAutofit/>
-          </a:bodyPr>
-          <a:lstStyle/>
-          <a:p>
-            <a:pPr marL="514350" lvl="0" indent="-514350">
-              <a:buFont typeface="+mj-lt"/>
-              <a:buAutoNum type="arabicPeriod"/>
-            </a:pPr>
-            <a:r>
-              <a:rPr lang="ru-RU" sz="3200" dirty="0">
-                <a:solidFill>
-                  <a:schemeClr val="tx1">
-                    <a:lumMod val="75000"/>
-                    <a:lumOff val="25000"/>
-                  </a:schemeClr>
-                </a:solidFill>
-                <a:latin typeface="Lucida Sans Unicode" panose="020B0602030504020204" pitchFamily="34" charset="0"/>
-                <a:cs typeface="Lucida Sans Unicode" panose="020B0602030504020204" pitchFamily="34" charset="0"/>
-              </a:rPr>
-              <a:t>Разработать инструмент для сбора данных.</a:t>
-            </a:r>
-            <a:endParaRPr lang="ru-RU" sz="3200" dirty="0">
-              <a:solidFill>
-                <a:schemeClr val="tx1">
-                  <a:lumMod val="75000"/>
-                  <a:lumOff val="25000"/>
-                </a:schemeClr>
-              </a:solidFill>
-              <a:latin typeface="Lucida Sans Unicode" panose="020B0602030504020204" pitchFamily="34" charset="0"/>
-              <a:cs typeface="Lucida Sans Unicode" panose="020B0602030504020204" pitchFamily="34" charset="0"/>
-            </a:endParaRPr>
-          </a:p>
-          <a:p>
-            <a:pPr marL="514350" lvl="0" indent="-514350">
-              <a:buFont typeface="+mj-lt"/>
-              <a:buAutoNum type="arabicPeriod"/>
-            </a:pPr>
-            <a:r>
-              <a:rPr lang="ru-RU" sz="3200" dirty="0">
-                <a:solidFill>
-                  <a:schemeClr val="tx1">
-                    <a:lumMod val="75000"/>
-                    <a:lumOff val="25000"/>
-                  </a:schemeClr>
-                </a:solidFill>
-                <a:latin typeface="Lucida Sans Unicode" panose="020B0602030504020204" pitchFamily="34" charset="0"/>
-                <a:cs typeface="Lucida Sans Unicode" panose="020B0602030504020204" pitchFamily="34" charset="0"/>
-              </a:rPr>
-              <a:t>Собрать данные для обучения нейронной сети.</a:t>
-            </a:r>
-            <a:endParaRPr lang="ru-RU" sz="3200" dirty="0">
-              <a:solidFill>
-                <a:schemeClr val="tx1">
-                  <a:lumMod val="75000"/>
-                  <a:lumOff val="25000"/>
-                </a:schemeClr>
-              </a:solidFill>
-              <a:latin typeface="Lucida Sans Unicode" panose="020B0602030504020204" pitchFamily="34" charset="0"/>
-              <a:cs typeface="Lucida Sans Unicode" panose="020B0602030504020204" pitchFamily="34" charset="0"/>
-            </a:endParaRPr>
-          </a:p>
-          <a:p>
-            <a:pPr marL="514350" lvl="0" indent="-514350">
-              <a:buFont typeface="+mj-lt"/>
-              <a:buAutoNum type="arabicPeriod"/>
-            </a:pPr>
-            <a:r>
-              <a:rPr lang="ru-RU" sz="3200" dirty="0">
-                <a:solidFill>
-                  <a:schemeClr val="tx1">
-                    <a:lumMod val="75000"/>
-                    <a:lumOff val="25000"/>
-                  </a:schemeClr>
-                </a:solidFill>
-                <a:latin typeface="Lucida Sans Unicode" panose="020B0602030504020204" pitchFamily="34" charset="0"/>
-                <a:cs typeface="Lucida Sans Unicode" panose="020B0602030504020204" pitchFamily="34" charset="0"/>
-              </a:rPr>
-              <a:t>Провести анализ и обработку собранных данных для подготовки датасета.</a:t>
-            </a:r>
-            <a:endParaRPr lang="ru-RU" sz="3200" dirty="0">
-              <a:solidFill>
-                <a:schemeClr val="tx1">
-                  <a:lumMod val="75000"/>
-                  <a:lumOff val="25000"/>
-                </a:schemeClr>
-              </a:solidFill>
-              <a:latin typeface="Lucida Sans Unicode" panose="020B0602030504020204" pitchFamily="34" charset="0"/>
-              <a:cs typeface="Lucida Sans Unicode" panose="020B0602030504020204" pitchFamily="34" charset="0"/>
-            </a:endParaRPr>
-          </a:p>
-          <a:p>
-            <a:pPr marL="514350" lvl="0" indent="-514350">
-              <a:buFont typeface="+mj-lt"/>
-              <a:buAutoNum type="arabicPeriod"/>
-            </a:pPr>
-            <a:r>
-              <a:rPr lang="ru-RU" sz="3200" dirty="0">
-                <a:solidFill>
-                  <a:schemeClr val="tx1">
-                    <a:lumMod val="75000"/>
-                    <a:lumOff val="25000"/>
-                  </a:schemeClr>
-                </a:solidFill>
-                <a:latin typeface="Lucida Sans Unicode" panose="020B0602030504020204" pitchFamily="34" charset="0"/>
-                <a:cs typeface="Lucida Sans Unicode" panose="020B0602030504020204" pitchFamily="34" charset="0"/>
-              </a:rPr>
-              <a:t>Обучить рекуррентную нейронную сеть LSTM для классификации.</a:t>
-            </a:r>
-            <a:endParaRPr lang="ru-RU" sz="3200" dirty="0">
-              <a:solidFill>
-                <a:schemeClr val="tx1">
-                  <a:lumMod val="75000"/>
-                  <a:lumOff val="25000"/>
-                </a:schemeClr>
-              </a:solidFill>
-              <a:latin typeface="Lucida Sans Unicode" panose="020B0602030504020204" pitchFamily="34" charset="0"/>
-              <a:cs typeface="Lucida Sans Unicode" panose="020B0602030504020204" pitchFamily="34" charset="0"/>
-            </a:endParaRPr>
-          </a:p>
-          <a:p>
-            <a:pPr marL="514350" lvl="0" indent="-514350">
-              <a:buFont typeface="+mj-lt"/>
-              <a:buAutoNum type="arabicPeriod"/>
-            </a:pPr>
-            <a:r>
-              <a:rPr lang="ru-RU" sz="3200" dirty="0">
-                <a:solidFill>
-                  <a:schemeClr val="tx1">
-                    <a:lumMod val="75000"/>
-                    <a:lumOff val="25000"/>
-                  </a:schemeClr>
-                </a:solidFill>
-                <a:latin typeface="Lucida Sans Unicode" panose="020B0602030504020204" pitchFamily="34" charset="0"/>
-                <a:cs typeface="Lucida Sans Unicode" panose="020B0602030504020204" pitchFamily="34" charset="0"/>
-              </a:rPr>
-              <a:t>Разработать приложение системы HMI для идентификации жестовых команд в видеопотоке.</a:t>
-            </a:r>
-            <a:endParaRPr lang="ru-RU" sz="3200" dirty="0">
-              <a:solidFill>
-                <a:schemeClr val="tx1">
-                  <a:lumMod val="75000"/>
-                  <a:lumOff val="25000"/>
-                </a:schemeClr>
-              </a:solidFill>
-              <a:latin typeface="Lucida Sans Unicode" panose="020B0602030504020204" pitchFamily="34" charset="0"/>
-              <a:cs typeface="Lucida Sans Unicode" panose="020B0602030504020204" pitchFamily="34" charset="0"/>
-            </a:endParaRPr>
-          </a:p>
-        </p:txBody>
-      </p:sp>
+      <p:pic>
+        <p:nvPicPr>
+          <p:cNvPr id="4" name="Рисунок 3"/>
+          <p:cNvPicPr/>
+          <p:nvPr/>
+        </p:nvPicPr>
+        <p:blipFill>
+          <a:blip r:embed="rId1"/>
+          <a:stretch>
+            <a:fillRect/>
+          </a:stretch>
+        </p:blipFill>
+        <p:spPr>
+          <a:xfrm>
+            <a:off x="894610" y="1689510"/>
+            <a:ext cx="3542983" cy="4529137"/>
+          </a:xfrm>
+          <a:prstGeom prst="rect">
+            <a:avLst/>
+          </a:prstGeom>
+        </p:spPr>
+      </p:pic>
+      <p:pic>
+        <p:nvPicPr>
+          <p:cNvPr id="8" name="Рисунок 7"/>
+          <p:cNvPicPr>
+            <a:picLocks noChangeAspect="1"/>
+          </p:cNvPicPr>
+          <p:nvPr/>
+        </p:nvPicPr>
+        <p:blipFill rotWithShape="1">
+          <a:blip r:embed="rId2"/>
+          <a:srcRect l="1205" t="1743" r="980" b="2951"/>
+          <a:stretch>
+            <a:fillRect/>
+          </a:stretch>
+        </p:blipFill>
+        <p:spPr>
+          <a:xfrm>
+            <a:off x="5223932" y="1689510"/>
+            <a:ext cx="6123533" cy="4529137"/>
+          </a:xfrm>
+          <a:prstGeom prst="rect">
+            <a:avLst/>
+          </a:prstGeom>
+        </p:spPr>
+      </p:pic>
     </p:spTree>
   </p:cSld>
   <p:clrMapOvr>
@@ -3603,13 +3596,13 @@
         </p:nvSpPr>
         <p:spPr>
           <a:xfrm>
-            <a:off x="804333" y="144991"/>
-            <a:ext cx="10515600" cy="1325563"/>
+            <a:off x="494942" y="136525"/>
+            <a:ext cx="10858858" cy="1379008"/>
           </a:xfrm>
         </p:spPr>
         <p:txBody>
           <a:bodyPr>
-            <a:normAutofit/>
+            <a:noAutofit/>
           </a:bodyPr>
           <a:lstStyle/>
           <a:p>
@@ -3624,7 +3617,7 @@
                 <a:latin typeface="Lucida Sans Unicode" panose="020B0602030504020204" pitchFamily="34" charset="0"/>
                 <a:cs typeface="Lucida Sans Unicode" panose="020B0602030504020204" pitchFamily="34" charset="0"/>
               </a:rPr>
-              <a:t>Приложение сбора данных</a:t>
+              <a:t>Обработка собранных данных</a:t>
             </a:r>
             <a:endParaRPr lang="en-US" sz="5400" dirty="0">
               <a:solidFill>
@@ -3641,20 +3634,23 @@
       </p:sp>
       <p:pic>
         <p:nvPicPr>
-          <p:cNvPr id="4" name="Рисунок 3"/>
-          <p:cNvPicPr/>
+          <p:cNvPr id="7" name="Рисунок 6"/>
+          <p:cNvPicPr>
+            <a:picLocks noChangeAspect="1"/>
+          </p:cNvPicPr>
           <p:nvPr/>
         </p:nvPicPr>
-        <p:blipFill>
+        <p:blipFill rotWithShape="1">
           <a:blip r:embed="rId1"/>
+          <a:srcRect l="18285" t="9599" r="22918" b="18251"/>
           <a:stretch>
             <a:fillRect/>
           </a:stretch>
         </p:blipFill>
         <p:spPr>
           <a:xfrm>
-            <a:off x="894610" y="1689510"/>
-            <a:ext cx="3542983" cy="4529137"/>
+            <a:off x="1032933" y="1788118"/>
+            <a:ext cx="2192867" cy="1972734"/>
           </a:xfrm>
           <a:prstGeom prst="rect">
             <a:avLst/>
@@ -3671,15 +3667,40 @@
         </p:nvPicPr>
         <p:blipFill rotWithShape="1">
           <a:blip r:embed="rId2"/>
-          <a:srcRect l="1205" t="1743" r="980" b="2951"/>
+          <a:srcRect l="15803" t="7822" r="20191" b="8380"/>
           <a:stretch>
             <a:fillRect/>
           </a:stretch>
         </p:blipFill>
         <p:spPr>
           <a:xfrm>
-            <a:off x="5223932" y="1689510"/>
-            <a:ext cx="6123533" cy="4529137"/>
+            <a:off x="2329971" y="3760852"/>
+            <a:ext cx="2963334" cy="2794000"/>
+          </a:xfrm>
+          <a:prstGeom prst="rect">
+            <a:avLst/>
+          </a:prstGeom>
+        </p:spPr>
+      </p:pic>
+      <p:pic>
+        <p:nvPicPr>
+          <p:cNvPr id="9" name="Рисунок 8"/>
+          <p:cNvPicPr>
+            <a:picLocks noChangeAspect="1"/>
+          </p:cNvPicPr>
+          <p:nvPr/>
+        </p:nvPicPr>
+        <p:blipFill rotWithShape="1">
+          <a:blip r:embed="rId3"/>
+          <a:srcRect l="6879" t="6589" r="5770" b="4277"/>
+          <a:stretch>
+            <a:fillRect/>
+          </a:stretch>
+        </p:blipFill>
+        <p:spPr>
+          <a:xfrm>
+            <a:off x="6019800" y="2018370"/>
+            <a:ext cx="5334000" cy="2937933"/>
           </a:xfrm>
           <a:prstGeom prst="rect">
             <a:avLst/>
@@ -3691,6 +3712,13 @@
   <p:clrMapOvr>
     <a:masterClrMapping/>
   </p:clrMapOvr>
+  <p:timing>
+    <p:tnLst>
+      <p:par>
+        <p:cTn id="1" dur="indefinite" restart="never" nodeType="tmRoot"/>
+      </p:par>
+    </p:tnLst>
+  </p:timing>
 </p:sld>
 </file>
 
@@ -3723,161 +3751,6 @@
         </p:nvSpPr>
         <p:spPr>
           <a:xfrm>
-            <a:off x="494942" y="136525"/>
-            <a:ext cx="10858858" cy="1379008"/>
-          </a:xfrm>
-        </p:spPr>
-        <p:txBody>
-          <a:bodyPr>
-            <a:noAutofit/>
-          </a:bodyPr>
-          <a:lstStyle/>
-          <a:p>
-            <a:r>
-              <a:rPr lang="ru-RU" sz="5400" dirty="0" smtClean="0">
-                <a:solidFill>
-                  <a:schemeClr val="tx1">
-                    <a:lumMod val="75000"/>
-                    <a:lumOff val="25000"/>
-                  </a:schemeClr>
-                </a:solidFill>
-                <a:latin typeface="Lucida Sans Unicode" panose="020B0602030504020204" pitchFamily="34" charset="0"/>
-                <a:cs typeface="Lucida Sans Unicode" panose="020B0602030504020204" pitchFamily="34" charset="0"/>
-              </a:rPr>
-              <a:t>Обработка собранных данных</a:t>
-            </a:r>
-            <a:endParaRPr lang="en-US" sz="5400" dirty="0">
-              <a:solidFill>
-                <a:schemeClr val="tx1">
-                  <a:lumMod val="75000"/>
-                  <a:lumOff val="25000"/>
-                </a:schemeClr>
-              </a:solidFill>
-              <a:latin typeface="Lucida Sans Unicode" panose="020B0602030504020204" pitchFamily="34" charset="0"/>
-              <a:cs typeface="Lucida Sans Unicode" panose="020B0602030504020204" pitchFamily="34" charset="0"/>
-            </a:endParaRPr>
-          </a:p>
-        </p:txBody>
-      </p:sp>
-      <p:pic>
-        <p:nvPicPr>
-          <p:cNvPr id="7" name="Рисунок 6"/>
-          <p:cNvPicPr>
-            <a:picLocks noChangeAspect="1"/>
-          </p:cNvPicPr>
-          <p:nvPr/>
-        </p:nvPicPr>
-        <p:blipFill rotWithShape="1">
-          <a:blip r:embed="rId1"/>
-          <a:srcRect l="18285" t="9599" r="22918" b="18251"/>
-          <a:stretch>
-            <a:fillRect/>
-          </a:stretch>
-        </p:blipFill>
-        <p:spPr>
-          <a:xfrm>
-            <a:off x="1032933" y="1788118"/>
-            <a:ext cx="2192867" cy="1972734"/>
-          </a:xfrm>
-          <a:prstGeom prst="rect">
-            <a:avLst/>
-          </a:prstGeom>
-        </p:spPr>
-      </p:pic>
-      <p:pic>
-        <p:nvPicPr>
-          <p:cNvPr id="8" name="Рисунок 7"/>
-          <p:cNvPicPr>
-            <a:picLocks noChangeAspect="1"/>
-          </p:cNvPicPr>
-          <p:nvPr/>
-        </p:nvPicPr>
-        <p:blipFill rotWithShape="1">
-          <a:blip r:embed="rId2"/>
-          <a:srcRect l="15803" t="7822" r="20191" b="8380"/>
-          <a:stretch>
-            <a:fillRect/>
-          </a:stretch>
-        </p:blipFill>
-        <p:spPr>
-          <a:xfrm>
-            <a:off x="2329971" y="3760852"/>
-            <a:ext cx="2963334" cy="2794000"/>
-          </a:xfrm>
-          <a:prstGeom prst="rect">
-            <a:avLst/>
-          </a:prstGeom>
-        </p:spPr>
-      </p:pic>
-      <p:pic>
-        <p:nvPicPr>
-          <p:cNvPr id="9" name="Рисунок 8"/>
-          <p:cNvPicPr>
-            <a:picLocks noChangeAspect="1"/>
-          </p:cNvPicPr>
-          <p:nvPr/>
-        </p:nvPicPr>
-        <p:blipFill rotWithShape="1">
-          <a:blip r:embed="rId3"/>
-          <a:srcRect l="6879" t="6589" r="5770" b="4277"/>
-          <a:stretch>
-            <a:fillRect/>
-          </a:stretch>
-        </p:blipFill>
-        <p:spPr>
-          <a:xfrm>
-            <a:off x="6019800" y="2018370"/>
-            <a:ext cx="5334000" cy="2937933"/>
-          </a:xfrm>
-          <a:prstGeom prst="rect">
-            <a:avLst/>
-          </a:prstGeom>
-        </p:spPr>
-      </p:pic>
-    </p:spTree>
-  </p:cSld>
-  <p:clrMapOvr>
-    <a:masterClrMapping/>
-  </p:clrMapOvr>
-  <p:timing>
-    <p:tnLst>
-      <p:par>
-        <p:cTn id="1" dur="indefinite" restart="never" nodeType="tmRoot"/>
-      </p:par>
-    </p:tnLst>
-  </p:timing>
-</p:sld>
-</file>
-
-<file path=ppt/slides/slide6.xml><?xml version="1.0" encoding="utf-8"?>
-<p:sld xmlns:a="http://schemas.openxmlformats.org/drawingml/2006/main" xmlns:r="http://schemas.openxmlformats.org/officeDocument/2006/relationships" xmlns:p="http://schemas.openxmlformats.org/presentationml/2006/main">
-  <p:cSld>
-    <p:spTree>
-      <p:nvGrpSpPr>
-        <p:cNvPr id="1" name=""/>
-        <p:cNvGrpSpPr/>
-        <p:nvPr/>
-      </p:nvGrpSpPr>
-      <p:grpSpPr>
-        <a:xfrm>
-          <a:off x="0" y="0"/>
-          <a:ext cx="0" cy="0"/>
-          <a:chOff x="0" y="0"/>
-          <a:chExt cx="0" cy="0"/>
-        </a:xfrm>
-      </p:grpSpPr>
-      <p:sp>
-        <p:nvSpPr>
-          <p:cNvPr id="2" name="Заголовок 1"/>
-          <p:cNvSpPr>
-            <a:spLocks noGrp="1"/>
-          </p:cNvSpPr>
-          <p:nvPr>
-            <p:ph type="title"/>
-          </p:nvPr>
-        </p:nvSpPr>
-        <p:spPr>
-          <a:xfrm>
             <a:off x="833655" y="165360"/>
             <a:ext cx="10515600" cy="1325563"/>
           </a:xfrm>
@@ -4374,7 +4247,7 @@
 </p:sld>
 </file>
 
-<file path=ppt/slides/slide7.xml><?xml version="1.0" encoding="utf-8"?>
+<file path=ppt/slides/slide6.xml><?xml version="1.0" encoding="utf-8"?>
 <p:sld xmlns:a="http://schemas.openxmlformats.org/drawingml/2006/main" xmlns:r="http://schemas.openxmlformats.org/officeDocument/2006/relationships" xmlns:p="http://schemas.openxmlformats.org/presentationml/2006/main">
   <p:cSld>
     <p:spTree>

--- a/презентация.pptx
+++ b/презентация.pptx
@@ -3596,8 +3596,8 @@
         </p:nvSpPr>
         <p:spPr>
           <a:xfrm>
-            <a:off x="494942" y="136525"/>
-            <a:ext cx="10858858" cy="1379008"/>
+            <a:off x="205105" y="154940"/>
+            <a:ext cx="10515600" cy="1325563"/>
           </a:xfrm>
         </p:spPr>
         <p:txBody>
@@ -3617,7 +3617,7 @@
                 <a:latin typeface="Lucida Sans Unicode" panose="020B0602030504020204" pitchFamily="34" charset="0"/>
                 <a:cs typeface="Lucida Sans Unicode" panose="020B0602030504020204" pitchFamily="34" charset="0"/>
               </a:rPr>
-              <a:t>Обработка собранных данных</a:t>
+              <a:t>Сбор и обработка данных</a:t>
             </a:r>
             <a:endParaRPr lang="en-US" sz="5400" dirty="0">
               <a:solidFill>
@@ -3649,7 +3649,7 @@
         </p:blipFill>
         <p:spPr>
           <a:xfrm>
-            <a:off x="1032933" y="1788118"/>
+            <a:off x="7854738" y="2162768"/>
             <a:ext cx="2192867" cy="1972734"/>
           </a:xfrm>
           <a:prstGeom prst="rect">
@@ -3674,8 +3674,8 @@
         </p:blipFill>
         <p:spPr>
           <a:xfrm>
-            <a:off x="2329971" y="3760852"/>
-            <a:ext cx="2963334" cy="2794000"/>
+            <a:off x="9685655" y="323850"/>
+            <a:ext cx="2263775" cy="2134235"/>
           </a:xfrm>
           <a:prstGeom prst="rect">
             <a:avLst/>
@@ -3699,12 +3699,42 @@
         </p:blipFill>
         <p:spPr>
           <a:xfrm>
-            <a:off x="6019800" y="2018370"/>
-            <a:ext cx="5334000" cy="2937933"/>
+            <a:off x="8237220" y="4526280"/>
+            <a:ext cx="3204845" cy="1765300"/>
           </a:xfrm>
           <a:prstGeom prst="rect">
             <a:avLst/>
           </a:prstGeom>
+        </p:spPr>
+      </p:pic>
+      <p:pic>
+        <p:nvPicPr>
+          <p:cNvPr id="27" name="Изображение 50" descr="жесты"/>
+          <p:cNvPicPr>
+            <a:picLocks noChangeAspect="1"/>
+          </p:cNvPicPr>
+          <p:nvPr>
+            <p:ph idx="1"/>
+          </p:nvPr>
+        </p:nvPicPr>
+        <p:blipFill>
+          <a:blip r:embed="rId4"/>
+          <a:stretch>
+            <a:fillRect/>
+          </a:stretch>
+        </p:blipFill>
+        <p:spPr>
+          <a:xfrm>
+            <a:off x="205105" y="2458085"/>
+            <a:ext cx="7213600" cy="2758440"/>
+          </a:xfrm>
+          <a:prstGeom prst="rect">
+            <a:avLst/>
+          </a:prstGeom>
+          <a:noFill/>
+          <a:ln>
+            <a:noFill/>
+          </a:ln>
         </p:spPr>
       </p:pic>
     </p:spTree>
